--- a/PWM_example_SRbuck/Three Complexity Levels of PWM Implementation for Digital Controller Simulation.pptx
+++ b/PWM_example_SRbuck/Three Complexity Levels of PWM Implementation for Digital Controller Simulation.pptx
@@ -5,13 +5,16 @@
     <p:sldMasterId id="2147483648" r:id="rId1"/>
   </p:sldMasterIdLst>
   <p:sldIdLst>
-    <p:sldId id="257" r:id="rId3"/>
-    <p:sldId id="258" r:id="rId4"/>
-    <p:sldId id="264" r:id="rId5"/>
-    <p:sldId id="269" r:id="rId6"/>
+    <p:sldId id="257" r:id="rId2"/>
+    <p:sldId id="258" r:id="rId3"/>
+    <p:sldId id="264" r:id="rId4"/>
+    <p:sldId id="269" r:id="rId5"/>
+    <p:sldId id="271" r:id="rId6"/>
     <p:sldId id="259" r:id="rId7"/>
     <p:sldId id="260" r:id="rId8"/>
     <p:sldId id="262" r:id="rId9"/>
+    <p:sldId id="273" r:id="rId10"/>
+    <p:sldId id="272" r:id="rId11"/>
   </p:sldIdLst>
   <p:sldSz cx="12192000" cy="6858000"/>
   <p:notesSz cx="6858000" cy="9144000"/>
@@ -110,7 +113,583 @@
       </a:defRPr>
     </a:lvl9pPr>
   </p:defaultTextStyle>
+  <p:extLst>
+    <p:ext uri="{EFAFB233-063F-42B5-8137-9DF3F51BA10A}">
+      <p15:sldGuideLst xmlns:p15="http://schemas.microsoft.com/office/powerpoint/2012/main"/>
+    </p:ext>
+  </p:extLst>
 </p:presentation>
+</file>
+
+<file path=ppt/changesInfos/changesInfo1.xml><?xml version="1.0" encoding="utf-8"?>
+<pc:chgInfo xmlns:a="http://schemas.openxmlformats.org/drawingml/2006/main" xmlns:r="http://schemas.openxmlformats.org/officeDocument/2006/relationships" xmlns:ac="http://schemas.microsoft.com/office/drawing/2013/main/command" xmlns:pc="http://schemas.microsoft.com/office/powerpoint/2013/main/command">
+  <pc:docChgLst>
+    <pc:chgData name="arief noor rahman" userId="142e4bc68e6a373e" providerId="LiveId" clId="{DEB7C97E-F054-4889-8162-22BA1EEC6BE0}"/>
+    <pc:docChg chg="undo custSel addSld delSld modSld sldOrd">
+      <pc:chgData name="arief noor rahman" userId="142e4bc68e6a373e" providerId="LiveId" clId="{DEB7C97E-F054-4889-8162-22BA1EEC6BE0}" dt="2024-01-03T10:40:56.094" v="2100" actId="478"/>
+      <pc:docMkLst>
+        <pc:docMk/>
+      </pc:docMkLst>
+      <pc:sldChg chg="addSp delSp modSp mod">
+        <pc:chgData name="arief noor rahman" userId="142e4bc68e6a373e" providerId="LiveId" clId="{DEB7C97E-F054-4889-8162-22BA1EEC6BE0}" dt="2024-01-03T09:03:58.007" v="241" actId="20577"/>
+        <pc:sldMkLst>
+          <pc:docMk/>
+          <pc:sldMk cId="0" sldId="259"/>
+        </pc:sldMkLst>
+        <pc:spChg chg="mod">
+          <ac:chgData name="arief noor rahman" userId="142e4bc68e6a373e" providerId="LiveId" clId="{DEB7C97E-F054-4889-8162-22BA1EEC6BE0}" dt="2024-01-03T09:03:58.007" v="241" actId="20577"/>
+          <ac:spMkLst>
+            <pc:docMk/>
+            <pc:sldMk cId="0" sldId="259"/>
+            <ac:spMk id="3" creationId="{00000000-0000-0000-0000-000000000000}"/>
+          </ac:spMkLst>
+        </pc:spChg>
+        <pc:spChg chg="add mod">
+          <ac:chgData name="arief noor rahman" userId="142e4bc68e6a373e" providerId="LiveId" clId="{DEB7C97E-F054-4889-8162-22BA1EEC6BE0}" dt="2024-01-03T08:44:25.804" v="79" actId="1076"/>
+          <ac:spMkLst>
+            <pc:docMk/>
+            <pc:sldMk cId="0" sldId="259"/>
+            <ac:spMk id="11" creationId="{B98C5AF4-DF7D-4D6E-BA7D-2A78603E3616}"/>
+          </ac:spMkLst>
+        </pc:spChg>
+        <pc:picChg chg="del">
+          <ac:chgData name="arief noor rahman" userId="142e4bc68e6a373e" providerId="LiveId" clId="{DEB7C97E-F054-4889-8162-22BA1EEC6BE0}" dt="2024-01-03T08:36:42.402" v="0" actId="478"/>
+          <ac:picMkLst>
+            <pc:docMk/>
+            <pc:sldMk cId="0" sldId="259"/>
+            <ac:picMk id="6" creationId="{00000000-0000-0000-0000-000000000000}"/>
+          </ac:picMkLst>
+        </pc:picChg>
+        <pc:picChg chg="add mod modCrop">
+          <ac:chgData name="arief noor rahman" userId="142e4bc68e6a373e" providerId="LiveId" clId="{DEB7C97E-F054-4889-8162-22BA1EEC6BE0}" dt="2024-01-03T08:42:48.565" v="32" actId="1076"/>
+          <ac:picMkLst>
+            <pc:docMk/>
+            <pc:sldMk cId="0" sldId="259"/>
+            <ac:picMk id="8" creationId="{AB231B6B-CD1D-4E21-A30C-F6007D849B88}"/>
+          </ac:picMkLst>
+        </pc:picChg>
+        <pc:picChg chg="add mod">
+          <ac:chgData name="arief noor rahman" userId="142e4bc68e6a373e" providerId="LiveId" clId="{DEB7C97E-F054-4889-8162-22BA1EEC6BE0}" dt="2024-01-03T08:42:48.565" v="32" actId="1076"/>
+          <ac:picMkLst>
+            <pc:docMk/>
+            <pc:sldMk cId="0" sldId="259"/>
+            <ac:picMk id="10" creationId="{14D8D7E0-A209-46FF-8798-DCCFAC79E25E}"/>
+          </ac:picMkLst>
+        </pc:picChg>
+      </pc:sldChg>
+      <pc:sldChg chg="addSp delSp modSp mod">
+        <pc:chgData name="arief noor rahman" userId="142e4bc68e6a373e" providerId="LiveId" clId="{DEB7C97E-F054-4889-8162-22BA1EEC6BE0}" dt="2024-01-03T09:03:31.656" v="154" actId="6549"/>
+        <pc:sldMkLst>
+          <pc:docMk/>
+          <pc:sldMk cId="0" sldId="260"/>
+        </pc:sldMkLst>
+        <pc:spChg chg="mod">
+          <ac:chgData name="arief noor rahman" userId="142e4bc68e6a373e" providerId="LiveId" clId="{DEB7C97E-F054-4889-8162-22BA1EEC6BE0}" dt="2024-01-03T09:03:31.656" v="154" actId="6549"/>
+          <ac:spMkLst>
+            <pc:docMk/>
+            <pc:sldMk cId="0" sldId="260"/>
+            <ac:spMk id="3" creationId="{00000000-0000-0000-0000-000000000000}"/>
+          </ac:spMkLst>
+        </pc:spChg>
+        <pc:spChg chg="mod">
+          <ac:chgData name="arief noor rahman" userId="142e4bc68e6a373e" providerId="LiveId" clId="{DEB7C97E-F054-4889-8162-22BA1EEC6BE0}" dt="2024-01-03T08:43:09.617" v="39" actId="404"/>
+          <ac:spMkLst>
+            <pc:docMk/>
+            <pc:sldMk cId="0" sldId="260"/>
+            <ac:spMk id="6" creationId="{00000000-0000-0000-0000-000000000000}"/>
+          </ac:spMkLst>
+        </pc:spChg>
+        <pc:spChg chg="add mod">
+          <ac:chgData name="arief noor rahman" userId="142e4bc68e6a373e" providerId="LiveId" clId="{DEB7C97E-F054-4889-8162-22BA1EEC6BE0}" dt="2024-01-03T08:46:30.647" v="94" actId="20577"/>
+          <ac:spMkLst>
+            <pc:docMk/>
+            <pc:sldMk cId="0" sldId="260"/>
+            <ac:spMk id="16" creationId="{0B0F784E-CC4B-44E8-A5BD-CFAA87DBE223}"/>
+          </ac:spMkLst>
+        </pc:spChg>
+        <pc:picChg chg="add del mod">
+          <ac:chgData name="arief noor rahman" userId="142e4bc68e6a373e" providerId="LiveId" clId="{DEB7C97E-F054-4889-8162-22BA1EEC6BE0}" dt="2024-01-03T08:43:00.193" v="34" actId="478"/>
+          <ac:picMkLst>
+            <pc:docMk/>
+            <pc:sldMk cId="0" sldId="260"/>
+            <ac:picMk id="8" creationId="{684AB5A0-2BD8-4E75-9991-ACC64513BA9C}"/>
+          </ac:picMkLst>
+        </pc:picChg>
+        <pc:picChg chg="del">
+          <ac:chgData name="arief noor rahman" userId="142e4bc68e6a373e" providerId="LiveId" clId="{DEB7C97E-F054-4889-8162-22BA1EEC6BE0}" dt="2024-01-03T08:37:12.561" v="6" actId="478"/>
+          <ac:picMkLst>
+            <pc:docMk/>
+            <pc:sldMk cId="0" sldId="260"/>
+            <ac:picMk id="9" creationId="{00000000-0000-0000-0000-000000000000}"/>
+          </ac:picMkLst>
+        </pc:picChg>
+        <pc:picChg chg="add del mod">
+          <ac:chgData name="arief noor rahman" userId="142e4bc68e6a373e" providerId="LiveId" clId="{DEB7C97E-F054-4889-8162-22BA1EEC6BE0}" dt="2024-01-03T08:45:43.721" v="84" actId="478"/>
+          <ac:picMkLst>
+            <pc:docMk/>
+            <pc:sldMk cId="0" sldId="260"/>
+            <ac:picMk id="10" creationId="{3ABB354A-CB59-4B6A-96D5-EA1FD4A72F41}"/>
+          </ac:picMkLst>
+        </pc:picChg>
+        <pc:picChg chg="add del mod">
+          <ac:chgData name="arief noor rahman" userId="142e4bc68e6a373e" providerId="LiveId" clId="{DEB7C97E-F054-4889-8162-22BA1EEC6BE0}" dt="2024-01-03T08:45:33.670" v="80" actId="478"/>
+          <ac:picMkLst>
+            <pc:docMk/>
+            <pc:sldMk cId="0" sldId="260"/>
+            <ac:picMk id="11" creationId="{E22BADB4-0F44-4FC6-822C-A3A36E3FE3C0}"/>
+          </ac:picMkLst>
+        </pc:picChg>
+        <pc:picChg chg="add mod">
+          <ac:chgData name="arief noor rahman" userId="142e4bc68e6a373e" providerId="LiveId" clId="{DEB7C97E-F054-4889-8162-22BA1EEC6BE0}" dt="2024-01-03T08:45:41.988" v="83" actId="14100"/>
+          <ac:picMkLst>
+            <pc:docMk/>
+            <pc:sldMk cId="0" sldId="260"/>
+            <ac:picMk id="13" creationId="{0C0C1AA9-893A-4FFC-8087-F2542696A38B}"/>
+          </ac:picMkLst>
+        </pc:picChg>
+        <pc:picChg chg="add mod">
+          <ac:chgData name="arief noor rahman" userId="142e4bc68e6a373e" providerId="LiveId" clId="{DEB7C97E-F054-4889-8162-22BA1EEC6BE0}" dt="2024-01-03T08:46:12.052" v="88" actId="14100"/>
+          <ac:picMkLst>
+            <pc:docMk/>
+            <pc:sldMk cId="0" sldId="260"/>
+            <ac:picMk id="15" creationId="{5E9BE9AC-4948-4E04-BBCC-96B716812141}"/>
+          </ac:picMkLst>
+        </pc:picChg>
+      </pc:sldChg>
+      <pc:sldChg chg="addSp delSp modSp mod">
+        <pc:chgData name="arief noor rahman" userId="142e4bc68e6a373e" providerId="LiveId" clId="{DEB7C97E-F054-4889-8162-22BA1EEC6BE0}" dt="2024-01-03T08:49:56.172" v="149"/>
+        <pc:sldMkLst>
+          <pc:docMk/>
+          <pc:sldMk cId="0" sldId="262"/>
+        </pc:sldMkLst>
+        <pc:spChg chg="mod">
+          <ac:chgData name="arief noor rahman" userId="142e4bc68e6a373e" providerId="LiveId" clId="{DEB7C97E-F054-4889-8162-22BA1EEC6BE0}" dt="2024-01-03T08:49:45.085" v="146" actId="14100"/>
+          <ac:spMkLst>
+            <pc:docMk/>
+            <pc:sldMk cId="0" sldId="262"/>
+            <ac:spMk id="6" creationId="{00000000-0000-0000-0000-000000000000}"/>
+          </ac:spMkLst>
+        </pc:spChg>
+        <pc:spChg chg="add mod ord">
+          <ac:chgData name="arief noor rahman" userId="142e4bc68e6a373e" providerId="LiveId" clId="{DEB7C97E-F054-4889-8162-22BA1EEC6BE0}" dt="2024-01-03T08:47:51.436" v="109" actId="20577"/>
+          <ac:spMkLst>
+            <pc:docMk/>
+            <pc:sldMk cId="0" sldId="262"/>
+            <ac:spMk id="12" creationId="{ADA6F4D5-6B80-4519-93E5-B4D1849BE8F7}"/>
+          </ac:spMkLst>
+        </pc:spChg>
+        <pc:spChg chg="add del">
+          <ac:chgData name="arief noor rahman" userId="142e4bc68e6a373e" providerId="LiveId" clId="{DEB7C97E-F054-4889-8162-22BA1EEC6BE0}" dt="2024-01-03T08:49:52.961" v="148" actId="22"/>
+          <ac:spMkLst>
+            <pc:docMk/>
+            <pc:sldMk cId="0" sldId="262"/>
+            <ac:spMk id="19" creationId="{DA0B0161-3943-4BEE-9C46-1C735D1713C7}"/>
+          </ac:spMkLst>
+        </pc:spChg>
+        <pc:spChg chg="add mod">
+          <ac:chgData name="arief noor rahman" userId="142e4bc68e6a373e" providerId="LiveId" clId="{DEB7C97E-F054-4889-8162-22BA1EEC6BE0}" dt="2024-01-03T08:49:56.172" v="149"/>
+          <ac:spMkLst>
+            <pc:docMk/>
+            <pc:sldMk cId="0" sldId="262"/>
+            <ac:spMk id="20" creationId="{3C2B4F49-EAB2-48FA-8A68-692177214D0A}"/>
+          </ac:spMkLst>
+        </pc:spChg>
+        <pc:picChg chg="add del mod">
+          <ac:chgData name="arief noor rahman" userId="142e4bc68e6a373e" providerId="LiveId" clId="{DEB7C97E-F054-4889-8162-22BA1EEC6BE0}" dt="2024-01-03T08:46:42.942" v="95" actId="478"/>
+          <ac:picMkLst>
+            <pc:docMk/>
+            <pc:sldMk cId="0" sldId="262"/>
+            <ac:picMk id="7" creationId="{B911EA5C-9D89-49AE-9983-7AD0AD6DC217}"/>
+          </ac:picMkLst>
+        </pc:picChg>
+        <pc:picChg chg="del">
+          <ac:chgData name="arief noor rahman" userId="142e4bc68e6a373e" providerId="LiveId" clId="{DEB7C97E-F054-4889-8162-22BA1EEC6BE0}" dt="2024-01-03T08:39:02.769" v="10" actId="478"/>
+          <ac:picMkLst>
+            <pc:docMk/>
+            <pc:sldMk cId="0" sldId="262"/>
+            <ac:picMk id="9" creationId="{00000000-0000-0000-0000-000000000000}"/>
+          </ac:picMkLst>
+        </pc:picChg>
+        <pc:picChg chg="add del mod">
+          <ac:chgData name="arief noor rahman" userId="142e4bc68e6a373e" providerId="LiveId" clId="{DEB7C97E-F054-4889-8162-22BA1EEC6BE0}" dt="2024-01-03T08:49:07.344" v="141" actId="478"/>
+          <ac:picMkLst>
+            <pc:docMk/>
+            <pc:sldMk cId="0" sldId="262"/>
+            <ac:picMk id="10" creationId="{7994D1DF-D3E3-459D-B1E2-CD170D920C3F}"/>
+          </ac:picMkLst>
+        </pc:picChg>
+        <pc:picChg chg="add del mod">
+          <ac:chgData name="arief noor rahman" userId="142e4bc68e6a373e" providerId="LiveId" clId="{DEB7C97E-F054-4889-8162-22BA1EEC6BE0}" dt="2024-01-03T08:47:16.128" v="97" actId="478"/>
+          <ac:picMkLst>
+            <pc:docMk/>
+            <pc:sldMk cId="0" sldId="262"/>
+            <ac:picMk id="11" creationId="{286B038F-E1D1-44D9-8EB3-3FD5405E7DA8}"/>
+          </ac:picMkLst>
+        </pc:picChg>
+        <pc:picChg chg="add mod">
+          <ac:chgData name="arief noor rahman" userId="142e4bc68e6a373e" providerId="LiveId" clId="{DEB7C97E-F054-4889-8162-22BA1EEC6BE0}" dt="2024-01-03T08:47:26.484" v="100" actId="14100"/>
+          <ac:picMkLst>
+            <pc:docMk/>
+            <pc:sldMk cId="0" sldId="262"/>
+            <ac:picMk id="13" creationId="{07930DF8-E107-4B71-BC80-86D89EE7D0FE}"/>
+          </ac:picMkLst>
+        </pc:picChg>
+        <pc:picChg chg="add del mod">
+          <ac:chgData name="arief noor rahman" userId="142e4bc68e6a373e" providerId="LiveId" clId="{DEB7C97E-F054-4889-8162-22BA1EEC6BE0}" dt="2024-01-03T08:48:36.959" v="114" actId="22"/>
+          <ac:picMkLst>
+            <pc:docMk/>
+            <pc:sldMk cId="0" sldId="262"/>
+            <ac:picMk id="15" creationId="{01D6E473-6051-43EE-AB03-BF4798A3402A}"/>
+          </ac:picMkLst>
+        </pc:picChg>
+        <pc:picChg chg="add mod">
+          <ac:chgData name="arief noor rahman" userId="142e4bc68e6a373e" providerId="LiveId" clId="{DEB7C97E-F054-4889-8162-22BA1EEC6BE0}" dt="2024-01-03T08:49:31.699" v="145" actId="1035"/>
+          <ac:picMkLst>
+            <pc:docMk/>
+            <pc:sldMk cId="0" sldId="262"/>
+            <ac:picMk id="17" creationId="{CE501C70-C587-4101-989E-7A5514EF5CCB}"/>
+          </ac:picMkLst>
+        </pc:picChg>
+      </pc:sldChg>
+      <pc:sldChg chg="modSp mod">
+        <pc:chgData name="arief noor rahman" userId="142e4bc68e6a373e" providerId="LiveId" clId="{DEB7C97E-F054-4889-8162-22BA1EEC6BE0}" dt="2024-01-03T08:43:00.579" v="36" actId="27636"/>
+        <pc:sldMkLst>
+          <pc:docMk/>
+          <pc:sldMk cId="0" sldId="264"/>
+        </pc:sldMkLst>
+        <pc:spChg chg="mod">
+          <ac:chgData name="arief noor rahman" userId="142e4bc68e6a373e" providerId="LiveId" clId="{DEB7C97E-F054-4889-8162-22BA1EEC6BE0}" dt="2024-01-03T08:43:00.579" v="36" actId="27636"/>
+          <ac:spMkLst>
+            <pc:docMk/>
+            <pc:sldMk cId="0" sldId="264"/>
+            <ac:spMk id="2" creationId="{00000000-0000-0000-0000-000000000000}"/>
+          </ac:spMkLst>
+        </pc:spChg>
+      </pc:sldChg>
+      <pc:sldChg chg="new del">
+        <pc:chgData name="arief noor rahman" userId="142e4bc68e6a373e" providerId="LiveId" clId="{DEB7C97E-F054-4889-8162-22BA1EEC6BE0}" dt="2024-01-03T08:52:52.293" v="152" actId="47"/>
+        <pc:sldMkLst>
+          <pc:docMk/>
+          <pc:sldMk cId="3477520309" sldId="270"/>
+        </pc:sldMkLst>
+      </pc:sldChg>
+      <pc:sldChg chg="addSp delSp modSp add mod">
+        <pc:chgData name="arief noor rahman" userId="142e4bc68e6a373e" providerId="LiveId" clId="{DEB7C97E-F054-4889-8162-22BA1EEC6BE0}" dt="2024-01-03T10:40:56.094" v="2100" actId="478"/>
+        <pc:sldMkLst>
+          <pc:docMk/>
+          <pc:sldMk cId="1717670174" sldId="271"/>
+        </pc:sldMkLst>
+        <pc:spChg chg="mod">
+          <ac:chgData name="arief noor rahman" userId="142e4bc68e6a373e" providerId="LiveId" clId="{DEB7C97E-F054-4889-8162-22BA1EEC6BE0}" dt="2024-01-03T10:29:41.715" v="1668" actId="20577"/>
+          <ac:spMkLst>
+            <pc:docMk/>
+            <pc:sldMk cId="1717670174" sldId="271"/>
+            <ac:spMk id="2" creationId="{00000000-0000-0000-0000-000000000000}"/>
+          </ac:spMkLst>
+        </pc:spChg>
+        <pc:spChg chg="del mod">
+          <ac:chgData name="arief noor rahman" userId="142e4bc68e6a373e" providerId="LiveId" clId="{DEB7C97E-F054-4889-8162-22BA1EEC6BE0}" dt="2024-01-03T09:44:37.579" v="332" actId="478"/>
+          <ac:spMkLst>
+            <pc:docMk/>
+            <pc:sldMk cId="1717670174" sldId="271"/>
+            <ac:spMk id="3" creationId="{00000000-0000-0000-0000-000000000000}"/>
+          </ac:spMkLst>
+        </pc:spChg>
+        <pc:spChg chg="add del mod">
+          <ac:chgData name="arief noor rahman" userId="142e4bc68e6a373e" providerId="LiveId" clId="{DEB7C97E-F054-4889-8162-22BA1EEC6BE0}" dt="2024-01-03T10:40:56.094" v="2100" actId="478"/>
+          <ac:spMkLst>
+            <pc:docMk/>
+            <pc:sldMk cId="1717670174" sldId="271"/>
+            <ac:spMk id="14" creationId="{F58A0B1D-8DC8-4A51-A7D5-14CC8AEA466B}"/>
+          </ac:spMkLst>
+        </pc:spChg>
+        <pc:picChg chg="add del mod">
+          <ac:chgData name="arief noor rahman" userId="142e4bc68e6a373e" providerId="LiveId" clId="{DEB7C97E-F054-4889-8162-22BA1EEC6BE0}" dt="2024-01-03T10:26:31.066" v="1378" actId="478"/>
+          <ac:picMkLst>
+            <pc:docMk/>
+            <pc:sldMk cId="1717670174" sldId="271"/>
+            <ac:picMk id="7" creationId="{178B5FF3-EFEA-4265-BC21-3EF94DF1D81B}"/>
+          </ac:picMkLst>
+        </pc:picChg>
+        <pc:picChg chg="add del mod">
+          <ac:chgData name="arief noor rahman" userId="142e4bc68e6a373e" providerId="LiveId" clId="{DEB7C97E-F054-4889-8162-22BA1EEC6BE0}" dt="2024-01-03T10:36:13.597" v="1669" actId="478"/>
+          <ac:picMkLst>
+            <pc:docMk/>
+            <pc:sldMk cId="1717670174" sldId="271"/>
+            <ac:picMk id="9" creationId="{0494799F-A95A-46C4-A07F-3FE69669FEDA}"/>
+          </ac:picMkLst>
+        </pc:picChg>
+        <pc:picChg chg="add del mod">
+          <ac:chgData name="arief noor rahman" userId="142e4bc68e6a373e" providerId="LiveId" clId="{DEB7C97E-F054-4889-8162-22BA1EEC6BE0}" dt="2024-01-03T10:39:16.358" v="2079" actId="478"/>
+          <ac:picMkLst>
+            <pc:docMk/>
+            <pc:sldMk cId="1717670174" sldId="271"/>
+            <ac:picMk id="11" creationId="{48601AFF-BCB9-4B22-ACC5-B61E51AD2BFA}"/>
+          </ac:picMkLst>
+        </pc:picChg>
+        <pc:picChg chg="add mod">
+          <ac:chgData name="arief noor rahman" userId="142e4bc68e6a373e" providerId="LiveId" clId="{DEB7C97E-F054-4889-8162-22BA1EEC6BE0}" dt="2024-01-03T10:39:33.953" v="2082" actId="1076"/>
+          <ac:picMkLst>
+            <pc:docMk/>
+            <pc:sldMk cId="1717670174" sldId="271"/>
+            <ac:picMk id="13" creationId="{D02FD1F4-D578-4135-B1E4-25FFC18E7353}"/>
+          </ac:picMkLst>
+        </pc:picChg>
+      </pc:sldChg>
+      <pc:sldChg chg="addSp delSp modSp add mod ord">
+        <pc:chgData name="arief noor rahman" userId="142e4bc68e6a373e" providerId="LiveId" clId="{DEB7C97E-F054-4889-8162-22BA1EEC6BE0}" dt="2024-01-03T10:40:07.133" v="2083" actId="20577"/>
+        <pc:sldMkLst>
+          <pc:docMk/>
+          <pc:sldMk cId="2722878777" sldId="272"/>
+        </pc:sldMkLst>
+        <pc:spChg chg="mod">
+          <ac:chgData name="arief noor rahman" userId="142e4bc68e6a373e" providerId="LiveId" clId="{DEB7C97E-F054-4889-8162-22BA1EEC6BE0}" dt="2024-01-03T09:45:09.577" v="343" actId="20577"/>
+          <ac:spMkLst>
+            <pc:docMk/>
+            <pc:sldMk cId="2722878777" sldId="272"/>
+            <ac:spMk id="2" creationId="{00000000-0000-0000-0000-000000000000}"/>
+          </ac:spMkLst>
+        </pc:spChg>
+        <pc:spChg chg="mod">
+          <ac:chgData name="arief noor rahman" userId="142e4bc68e6a373e" providerId="LiveId" clId="{DEB7C97E-F054-4889-8162-22BA1EEC6BE0}" dt="2024-01-03T10:40:07.133" v="2083" actId="20577"/>
+          <ac:spMkLst>
+            <pc:docMk/>
+            <pc:sldMk cId="2722878777" sldId="272"/>
+            <ac:spMk id="3" creationId="{00000000-0000-0000-0000-000000000000}"/>
+          </ac:spMkLst>
+        </pc:spChg>
+        <pc:picChg chg="add del mod">
+          <ac:chgData name="arief noor rahman" userId="142e4bc68e6a373e" providerId="LiveId" clId="{DEB7C97E-F054-4889-8162-22BA1EEC6BE0}" dt="2024-01-03T10:12:42.276" v="843" actId="21"/>
+          <ac:picMkLst>
+            <pc:docMk/>
+            <pc:sldMk cId="2722878777" sldId="272"/>
+            <ac:picMk id="7" creationId="{F2C9AF15-67A1-4923-B404-5A04BE0EAD3D}"/>
+          </ac:picMkLst>
+        </pc:picChg>
+        <pc:picChg chg="add del mod">
+          <ac:chgData name="arief noor rahman" userId="142e4bc68e6a373e" providerId="LiveId" clId="{DEB7C97E-F054-4889-8162-22BA1EEC6BE0}" dt="2024-01-03T10:12:42.276" v="843" actId="21"/>
+          <ac:picMkLst>
+            <pc:docMk/>
+            <pc:sldMk cId="2722878777" sldId="272"/>
+            <ac:picMk id="9" creationId="{A64B64BE-F3AE-47E1-A009-93E8C7ED7B0A}"/>
+          </ac:picMkLst>
+        </pc:picChg>
+        <pc:picChg chg="add del mod">
+          <ac:chgData name="arief noor rahman" userId="142e4bc68e6a373e" providerId="LiveId" clId="{DEB7C97E-F054-4889-8162-22BA1EEC6BE0}" dt="2024-01-03T10:12:42.276" v="843" actId="21"/>
+          <ac:picMkLst>
+            <pc:docMk/>
+            <pc:sldMk cId="2722878777" sldId="272"/>
+            <ac:picMk id="11" creationId="{87064DE0-075B-42CC-B624-815D4EBE45EB}"/>
+          </ac:picMkLst>
+        </pc:picChg>
+      </pc:sldChg>
+      <pc:sldChg chg="addSp delSp modSp new del mod">
+        <pc:chgData name="arief noor rahman" userId="142e4bc68e6a373e" providerId="LiveId" clId="{DEB7C97E-F054-4889-8162-22BA1EEC6BE0}" dt="2024-01-03T09:44:29.753" v="329" actId="47"/>
+        <pc:sldMkLst>
+          <pc:docMk/>
+          <pc:sldMk cId="4276992465" sldId="272"/>
+        </pc:sldMkLst>
+        <pc:spChg chg="del">
+          <ac:chgData name="arief noor rahman" userId="142e4bc68e6a373e" providerId="LiveId" clId="{DEB7C97E-F054-4889-8162-22BA1EEC6BE0}" dt="2024-01-03T09:06:59.888" v="323" actId="478"/>
+          <ac:spMkLst>
+            <pc:docMk/>
+            <pc:sldMk cId="4276992465" sldId="272"/>
+            <ac:spMk id="2" creationId="{C6CBA46E-95D2-4429-B03E-21D59628B028}"/>
+          </ac:spMkLst>
+        </pc:spChg>
+        <pc:spChg chg="del">
+          <ac:chgData name="arief noor rahman" userId="142e4bc68e6a373e" providerId="LiveId" clId="{DEB7C97E-F054-4889-8162-22BA1EEC6BE0}" dt="2024-01-03T09:06:59.888" v="323" actId="478"/>
+          <ac:spMkLst>
+            <pc:docMk/>
+            <pc:sldMk cId="4276992465" sldId="272"/>
+            <ac:spMk id="3" creationId="{C995BCCD-04A3-4841-8AB0-840AAE299922}"/>
+          </ac:spMkLst>
+        </pc:spChg>
+        <pc:cxnChg chg="add del">
+          <ac:chgData name="arief noor rahman" userId="142e4bc68e6a373e" providerId="LiveId" clId="{DEB7C97E-F054-4889-8162-22BA1EEC6BE0}" dt="2024-01-03T09:07:14.340" v="327" actId="478"/>
+          <ac:cxnSpMkLst>
+            <pc:docMk/>
+            <pc:sldMk cId="4276992465" sldId="272"/>
+            <ac:cxnSpMk id="5" creationId="{99B28A81-4479-4B1A-8E9A-6E7BD07D2EFC}"/>
+          </ac:cxnSpMkLst>
+        </pc:cxnChg>
+        <pc:cxnChg chg="add del mod">
+          <ac:chgData name="arief noor rahman" userId="142e4bc68e6a373e" providerId="LiveId" clId="{DEB7C97E-F054-4889-8162-22BA1EEC6BE0}" dt="2024-01-03T09:44:28.936" v="328" actId="478"/>
+          <ac:cxnSpMkLst>
+            <pc:docMk/>
+            <pc:sldMk cId="4276992465" sldId="272"/>
+            <ac:cxnSpMk id="6" creationId="{9D27165B-FC37-4047-A89F-95D045E8C2FA}"/>
+          </ac:cxnSpMkLst>
+        </pc:cxnChg>
+      </pc:sldChg>
+      <pc:sldChg chg="new del">
+        <pc:chgData name="arief noor rahman" userId="142e4bc68e6a373e" providerId="LiveId" clId="{DEB7C97E-F054-4889-8162-22BA1EEC6BE0}" dt="2024-01-03T10:10:57.092" v="825" actId="47"/>
+        <pc:sldMkLst>
+          <pc:docMk/>
+          <pc:sldMk cId="1346968696" sldId="273"/>
+        </pc:sldMkLst>
+      </pc:sldChg>
+      <pc:sldChg chg="addSp delSp modSp add mod">
+        <pc:chgData name="arief noor rahman" userId="142e4bc68e6a373e" providerId="LiveId" clId="{DEB7C97E-F054-4889-8162-22BA1EEC6BE0}" dt="2024-01-03T10:29:08.974" v="1643" actId="20577"/>
+        <pc:sldMkLst>
+          <pc:docMk/>
+          <pc:sldMk cId="4088111551" sldId="273"/>
+        </pc:sldMkLst>
+        <pc:spChg chg="mod">
+          <ac:chgData name="arief noor rahman" userId="142e4bc68e6a373e" providerId="LiveId" clId="{DEB7C97E-F054-4889-8162-22BA1EEC6BE0}" dt="2024-01-03T10:29:08.974" v="1643" actId="20577"/>
+          <ac:spMkLst>
+            <pc:docMk/>
+            <pc:sldMk cId="4088111551" sldId="273"/>
+            <ac:spMk id="2" creationId="{00000000-0000-0000-0000-000000000000}"/>
+          </ac:spMkLst>
+        </pc:spChg>
+        <pc:spChg chg="del mod">
+          <ac:chgData name="arief noor rahman" userId="142e4bc68e6a373e" providerId="LiveId" clId="{DEB7C97E-F054-4889-8162-22BA1EEC6BE0}" dt="2024-01-03T10:12:45.186" v="845" actId="478"/>
+          <ac:spMkLst>
+            <pc:docMk/>
+            <pc:sldMk cId="4088111551" sldId="273"/>
+            <ac:spMk id="3" creationId="{00000000-0000-0000-0000-000000000000}"/>
+          </ac:spMkLst>
+        </pc:spChg>
+        <pc:spChg chg="add mod">
+          <ac:chgData name="arief noor rahman" userId="142e4bc68e6a373e" providerId="LiveId" clId="{DEB7C97E-F054-4889-8162-22BA1EEC6BE0}" dt="2024-01-03T10:28:46.596" v="1606" actId="20577"/>
+          <ac:spMkLst>
+            <pc:docMk/>
+            <pc:sldMk cId="4088111551" sldId="273"/>
+            <ac:spMk id="24" creationId="{DF0DC7B9-ABA2-467A-89CE-FD7D98FA9120}"/>
+          </ac:spMkLst>
+        </pc:spChg>
+        <pc:spChg chg="add mod">
+          <ac:chgData name="arief noor rahman" userId="142e4bc68e6a373e" providerId="LiveId" clId="{DEB7C97E-F054-4889-8162-22BA1EEC6BE0}" dt="2024-01-03T10:20:10.705" v="1048" actId="1037"/>
+          <ac:spMkLst>
+            <pc:docMk/>
+            <pc:sldMk cId="4088111551" sldId="273"/>
+            <ac:spMk id="25" creationId="{3DA5FAE9-BB14-426B-96C2-A968A0FFE12B}"/>
+          </ac:spMkLst>
+        </pc:spChg>
+        <pc:spChg chg="add mod">
+          <ac:chgData name="arief noor rahman" userId="142e4bc68e6a373e" providerId="LiveId" clId="{DEB7C97E-F054-4889-8162-22BA1EEC6BE0}" dt="2024-01-03T10:20:10.705" v="1048" actId="1037"/>
+          <ac:spMkLst>
+            <pc:docMk/>
+            <pc:sldMk cId="4088111551" sldId="273"/>
+            <ac:spMk id="26" creationId="{77CCDA18-D7B7-48F5-944F-CF9FD0A23F85}"/>
+          </ac:spMkLst>
+        </pc:spChg>
+        <pc:spChg chg="add mod">
+          <ac:chgData name="arief noor rahman" userId="142e4bc68e6a373e" providerId="LiveId" clId="{DEB7C97E-F054-4889-8162-22BA1EEC6BE0}" dt="2024-01-03T10:20:10.705" v="1048" actId="1037"/>
+          <ac:spMkLst>
+            <pc:docMk/>
+            <pc:sldMk cId="4088111551" sldId="273"/>
+            <ac:spMk id="27" creationId="{CEE6CAEE-DB10-4A5A-85A5-F823BA03E484}"/>
+          </ac:spMkLst>
+        </pc:spChg>
+        <pc:picChg chg="add mod">
+          <ac:chgData name="arief noor rahman" userId="142e4bc68e6a373e" providerId="LiveId" clId="{DEB7C97E-F054-4889-8162-22BA1EEC6BE0}" dt="2024-01-03T10:13:17.129" v="871" actId="1076"/>
+          <ac:picMkLst>
+            <pc:docMk/>
+            <pc:sldMk cId="4088111551" sldId="273"/>
+            <ac:picMk id="6" creationId="{AC8F09E1-3B8B-4DC0-8F9F-FA6C821E5ADB}"/>
+          </ac:picMkLst>
+        </pc:picChg>
+        <pc:picChg chg="add mod">
+          <ac:chgData name="arief noor rahman" userId="142e4bc68e6a373e" providerId="LiveId" clId="{DEB7C97E-F054-4889-8162-22BA1EEC6BE0}" dt="2024-01-03T10:13:17.129" v="871" actId="1076"/>
+          <ac:picMkLst>
+            <pc:docMk/>
+            <pc:sldMk cId="4088111551" sldId="273"/>
+            <ac:picMk id="7" creationId="{0788CA5B-0178-4C10-ADE6-94E03F553E28}"/>
+          </ac:picMkLst>
+        </pc:picChg>
+        <pc:picChg chg="add mod">
+          <ac:chgData name="arief noor rahman" userId="142e4bc68e6a373e" providerId="LiveId" clId="{DEB7C97E-F054-4889-8162-22BA1EEC6BE0}" dt="2024-01-03T10:13:17.129" v="871" actId="1076"/>
+          <ac:picMkLst>
+            <pc:docMk/>
+            <pc:sldMk cId="4088111551" sldId="273"/>
+            <ac:picMk id="8" creationId="{2B640858-E61F-4C18-A61C-6EDC3A6D8571}"/>
+          </ac:picMkLst>
+        </pc:picChg>
+        <pc:picChg chg="add del mod">
+          <ac:chgData name="arief noor rahman" userId="142e4bc68e6a373e" providerId="LiveId" clId="{DEB7C97E-F054-4889-8162-22BA1EEC6BE0}" dt="2024-01-03T10:13:48.467" v="876" actId="478"/>
+          <ac:picMkLst>
+            <pc:docMk/>
+            <pc:sldMk cId="4088111551" sldId="273"/>
+            <ac:picMk id="9" creationId="{A5975B32-D3F0-48CE-9655-5481A7D567E2}"/>
+          </ac:picMkLst>
+        </pc:picChg>
+        <pc:picChg chg="add del mod">
+          <ac:chgData name="arief noor rahman" userId="142e4bc68e6a373e" providerId="LiveId" clId="{DEB7C97E-F054-4889-8162-22BA1EEC6BE0}" dt="2024-01-03T10:13:48.467" v="876" actId="478"/>
+          <ac:picMkLst>
+            <pc:docMk/>
+            <pc:sldMk cId="4088111551" sldId="273"/>
+            <ac:picMk id="10" creationId="{94ED1549-1990-41D7-BA77-5CAE668464AC}"/>
+          </ac:picMkLst>
+        </pc:picChg>
+        <pc:picChg chg="add del mod">
+          <ac:chgData name="arief noor rahman" userId="142e4bc68e6a373e" providerId="LiveId" clId="{DEB7C97E-F054-4889-8162-22BA1EEC6BE0}" dt="2024-01-03T10:13:48.467" v="876" actId="478"/>
+          <ac:picMkLst>
+            <pc:docMk/>
+            <pc:sldMk cId="4088111551" sldId="273"/>
+            <ac:picMk id="11" creationId="{916BD691-6B62-47E5-9369-BA0F77CACC12}"/>
+          </ac:picMkLst>
+        </pc:picChg>
+        <pc:picChg chg="add del mod">
+          <ac:chgData name="arief noor rahman" userId="142e4bc68e6a373e" providerId="LiveId" clId="{DEB7C97E-F054-4889-8162-22BA1EEC6BE0}" dt="2024-01-03T10:17:01.780" v="929" actId="478"/>
+          <ac:picMkLst>
+            <pc:docMk/>
+            <pc:sldMk cId="4088111551" sldId="273"/>
+            <ac:picMk id="13" creationId="{5D0F92A9-A72C-41DE-BA44-A545D18BC345}"/>
+          </ac:picMkLst>
+        </pc:picChg>
+        <pc:picChg chg="add del mod">
+          <ac:chgData name="arief noor rahman" userId="142e4bc68e6a373e" providerId="LiveId" clId="{DEB7C97E-F054-4889-8162-22BA1EEC6BE0}" dt="2024-01-03T10:16:37.605" v="924" actId="478"/>
+          <ac:picMkLst>
+            <pc:docMk/>
+            <pc:sldMk cId="4088111551" sldId="273"/>
+            <ac:picMk id="15" creationId="{A088214D-E94D-49A4-91E2-23FB76E0765B}"/>
+          </ac:picMkLst>
+        </pc:picChg>
+        <pc:picChg chg="add mod">
+          <ac:chgData name="arief noor rahman" userId="142e4bc68e6a373e" providerId="LiveId" clId="{DEB7C97E-F054-4889-8162-22BA1EEC6BE0}" dt="2024-01-03T10:16:35.770" v="923" actId="1076"/>
+          <ac:picMkLst>
+            <pc:docMk/>
+            <pc:sldMk cId="4088111551" sldId="273"/>
+            <ac:picMk id="17" creationId="{63BB7CB5-B5AA-478F-BBFB-24EFF37D7938}"/>
+          </ac:picMkLst>
+        </pc:picChg>
+        <pc:picChg chg="add mod">
+          <ac:chgData name="arief noor rahman" userId="142e4bc68e6a373e" providerId="LiveId" clId="{DEB7C97E-F054-4889-8162-22BA1EEC6BE0}" dt="2024-01-03T10:17:00.642" v="928" actId="1076"/>
+          <ac:picMkLst>
+            <pc:docMk/>
+            <pc:sldMk cId="4088111551" sldId="273"/>
+            <ac:picMk id="19" creationId="{270140DB-181E-454B-8602-B1CA0B284EB0}"/>
+          </ac:picMkLst>
+        </pc:picChg>
+        <pc:picChg chg="add del">
+          <ac:chgData name="arief noor rahman" userId="142e4bc68e6a373e" providerId="LiveId" clId="{DEB7C97E-F054-4889-8162-22BA1EEC6BE0}" dt="2024-01-03T10:17:19.708" v="931" actId="22"/>
+          <ac:picMkLst>
+            <pc:docMk/>
+            <pc:sldMk cId="4088111551" sldId="273"/>
+            <ac:picMk id="21" creationId="{1967D6E2-454B-4A09-9DD6-A3A014CB9465}"/>
+          </ac:picMkLst>
+        </pc:picChg>
+        <pc:picChg chg="add mod">
+          <ac:chgData name="arief noor rahman" userId="142e4bc68e6a373e" providerId="LiveId" clId="{DEB7C97E-F054-4889-8162-22BA1EEC6BE0}" dt="2024-01-03T10:17:33.809" v="935" actId="14100"/>
+          <ac:picMkLst>
+            <pc:docMk/>
+            <pc:sldMk cId="4088111551" sldId="273"/>
+            <ac:picMk id="23" creationId="{9D0AFF66-0B6F-40D9-B7A2-63E019574E41}"/>
+          </ac:picMkLst>
+        </pc:picChg>
+      </pc:sldChg>
+      <pc:sldChg chg="add del">
+        <pc:chgData name="arief noor rahman" userId="142e4bc68e6a373e" providerId="LiveId" clId="{DEB7C97E-F054-4889-8162-22BA1EEC6BE0}" dt="2024-01-03T10:11:05.436" v="829"/>
+        <pc:sldMkLst>
+          <pc:docMk/>
+          <pc:sldMk cId="3684884521" sldId="274"/>
+        </pc:sldMkLst>
+      </pc:sldChg>
+    </pc:docChg>
+  </pc:docChgLst>
+</pc:chgInfo>
 </file>
 
 <file path=ppt/slideLayouts/slideLayout1.xml><?xml version="1.0" encoding="utf-8"?>
@@ -155,10 +734,9 @@
           </a:lstStyle>
           <a:p>
             <a:r>
-              <a:rPr lang="en-US" smtClean="0"/>
+              <a:rPr lang="en-US"/>
               <a:t>Click to edit Master title style</a:t>
             </a:r>
-            <a:endParaRPr lang="en-US"/>
           </a:p>
         </p:txBody>
       </p:sp>
@@ -220,10 +798,9 @@
           </a:lstStyle>
           <a:p>
             <a:r>
-              <a:rPr lang="en-US" smtClean="0"/>
+              <a:rPr lang="en-US"/>
               <a:t>Click to edit Master subtitle style</a:t>
             </a:r>
-            <a:endParaRPr lang="en-US"/>
           </a:p>
         </p:txBody>
       </p:sp>
@@ -244,6 +821,7 @@
           <a:p>
             <a:fld id="{63A1C593-65D0-4073-BCC9-577B9352EA97}" type="datetimeFigureOut">
               <a:rPr lang="en-US" smtClean="0"/>
+              <a:t>1/3/2024</a:t>
             </a:fld>
             <a:endParaRPr lang="en-US"/>
           </a:p>
@@ -285,6 +863,7 @@
           <a:p>
             <a:fld id="{9B618960-8005-486C-9A75-10CB2AAC16F9}" type="slidenum">
               <a:rPr lang="en-US" smtClean="0"/>
+              <a:t>‹#›</a:t>
             </a:fld>
             <a:endParaRPr lang="en-US"/>
           </a:p>
@@ -331,10 +910,9 @@
           <a:lstStyle/>
           <a:p>
             <a:r>
-              <a:rPr lang="en-US" smtClean="0"/>
+              <a:rPr lang="en-US"/>
               <a:t>Click to edit Master title style</a:t>
             </a:r>
-            <a:endParaRPr lang="en-US"/>
           </a:p>
         </p:txBody>
       </p:sp>
@@ -355,42 +933,37 @@
           <a:p>
             <a:pPr lvl="0"/>
             <a:r>
-              <a:rPr lang="en-US" smtClean="0"/>
+              <a:rPr lang="en-US"/>
               <a:t>Click to edit Master text styles</a:t>
             </a:r>
-            <a:endParaRPr lang="en-US" smtClean="0"/>
           </a:p>
           <a:p>
             <a:pPr lvl="1"/>
             <a:r>
-              <a:rPr lang="en-US" smtClean="0"/>
+              <a:rPr lang="en-US"/>
               <a:t>Second level</a:t>
             </a:r>
-            <a:endParaRPr lang="en-US" smtClean="0"/>
           </a:p>
           <a:p>
             <a:pPr lvl="2"/>
             <a:r>
-              <a:rPr lang="en-US" smtClean="0"/>
+              <a:rPr lang="en-US"/>
               <a:t>Third level</a:t>
             </a:r>
-            <a:endParaRPr lang="en-US" smtClean="0"/>
           </a:p>
           <a:p>
             <a:pPr lvl="3"/>
             <a:r>
-              <a:rPr lang="en-US" smtClean="0"/>
+              <a:rPr lang="en-US"/>
               <a:t>Fourth level</a:t>
             </a:r>
-            <a:endParaRPr lang="en-US" smtClean="0"/>
           </a:p>
           <a:p>
             <a:pPr lvl="4"/>
             <a:r>
-              <a:rPr lang="en-US" smtClean="0"/>
+              <a:rPr lang="en-US"/>
               <a:t>Fifth level</a:t>
             </a:r>
-            <a:endParaRPr lang="en-US"/>
           </a:p>
         </p:txBody>
       </p:sp>
@@ -411,6 +984,7 @@
           <a:p>
             <a:fld id="{63A1C593-65D0-4073-BCC9-577B9352EA97}" type="datetimeFigureOut">
               <a:rPr lang="en-US" smtClean="0"/>
+              <a:t>1/3/2024</a:t>
             </a:fld>
             <a:endParaRPr lang="en-US"/>
           </a:p>
@@ -452,6 +1026,7 @@
           <a:p>
             <a:fld id="{9B618960-8005-486C-9A75-10CB2AAC16F9}" type="slidenum">
               <a:rPr lang="en-US" smtClean="0"/>
+              <a:t>‹#›</a:t>
             </a:fld>
             <a:endParaRPr lang="en-US"/>
           </a:p>
@@ -503,10 +1078,9 @@
           <a:lstStyle/>
           <a:p>
             <a:r>
-              <a:rPr lang="en-US" smtClean="0"/>
+              <a:rPr lang="en-US"/>
               <a:t>Click to edit Master title style</a:t>
             </a:r>
-            <a:endParaRPr lang="en-US"/>
           </a:p>
         </p:txBody>
       </p:sp>
@@ -532,42 +1106,37 @@
           <a:p>
             <a:pPr lvl="0"/>
             <a:r>
-              <a:rPr lang="en-US" smtClean="0"/>
+              <a:rPr lang="en-US"/>
               <a:t>Click to edit Master text styles</a:t>
             </a:r>
-            <a:endParaRPr lang="en-US" smtClean="0"/>
           </a:p>
           <a:p>
             <a:pPr lvl="1"/>
             <a:r>
-              <a:rPr lang="en-US" smtClean="0"/>
+              <a:rPr lang="en-US"/>
               <a:t>Second level</a:t>
             </a:r>
-            <a:endParaRPr lang="en-US" smtClean="0"/>
           </a:p>
           <a:p>
             <a:pPr lvl="2"/>
             <a:r>
-              <a:rPr lang="en-US" smtClean="0"/>
+              <a:rPr lang="en-US"/>
               <a:t>Third level</a:t>
             </a:r>
-            <a:endParaRPr lang="en-US" smtClean="0"/>
           </a:p>
           <a:p>
             <a:pPr lvl="3"/>
             <a:r>
-              <a:rPr lang="en-US" smtClean="0"/>
+              <a:rPr lang="en-US"/>
               <a:t>Fourth level</a:t>
             </a:r>
-            <a:endParaRPr lang="en-US" smtClean="0"/>
           </a:p>
           <a:p>
             <a:pPr lvl="4"/>
             <a:r>
-              <a:rPr lang="en-US" smtClean="0"/>
+              <a:rPr lang="en-US"/>
               <a:t>Fifth level</a:t>
             </a:r>
-            <a:endParaRPr lang="en-US"/>
           </a:p>
         </p:txBody>
       </p:sp>
@@ -588,6 +1157,7 @@
           <a:p>
             <a:fld id="{63A1C593-65D0-4073-BCC9-577B9352EA97}" type="datetimeFigureOut">
               <a:rPr lang="en-US" smtClean="0"/>
+              <a:t>1/3/2024</a:t>
             </a:fld>
             <a:endParaRPr lang="en-US"/>
           </a:p>
@@ -629,6 +1199,7 @@
           <a:p>
             <a:fld id="{9B618960-8005-486C-9A75-10CB2AAC16F9}" type="slidenum">
               <a:rPr lang="en-US" smtClean="0"/>
+              <a:t>‹#›</a:t>
             </a:fld>
             <a:endParaRPr lang="en-US"/>
           </a:p>
@@ -675,10 +1246,9 @@
           <a:lstStyle/>
           <a:p>
             <a:r>
-              <a:rPr lang="en-US" smtClean="0"/>
+              <a:rPr lang="en-US"/>
               <a:t>Click to edit Master title style</a:t>
             </a:r>
-            <a:endParaRPr lang="en-US"/>
           </a:p>
         </p:txBody>
       </p:sp>
@@ -699,42 +1269,37 @@
           <a:p>
             <a:pPr lvl="0"/>
             <a:r>
-              <a:rPr lang="en-US" smtClean="0"/>
+              <a:rPr lang="en-US"/>
               <a:t>Click to edit Master text styles</a:t>
             </a:r>
-            <a:endParaRPr lang="en-US" smtClean="0"/>
           </a:p>
           <a:p>
             <a:pPr lvl="1"/>
             <a:r>
-              <a:rPr lang="en-US" smtClean="0"/>
+              <a:rPr lang="en-US"/>
               <a:t>Second level</a:t>
             </a:r>
-            <a:endParaRPr lang="en-US" smtClean="0"/>
           </a:p>
           <a:p>
             <a:pPr lvl="2"/>
             <a:r>
-              <a:rPr lang="en-US" smtClean="0"/>
+              <a:rPr lang="en-US"/>
               <a:t>Third level</a:t>
             </a:r>
-            <a:endParaRPr lang="en-US" smtClean="0"/>
           </a:p>
           <a:p>
             <a:pPr lvl="3"/>
             <a:r>
-              <a:rPr lang="en-US" smtClean="0"/>
+              <a:rPr lang="en-US"/>
               <a:t>Fourth level</a:t>
             </a:r>
-            <a:endParaRPr lang="en-US" smtClean="0"/>
           </a:p>
           <a:p>
             <a:pPr lvl="4"/>
             <a:r>
-              <a:rPr lang="en-US" smtClean="0"/>
+              <a:rPr lang="en-US"/>
               <a:t>Fifth level</a:t>
             </a:r>
-            <a:endParaRPr lang="en-US"/>
           </a:p>
         </p:txBody>
       </p:sp>
@@ -755,6 +1320,7 @@
           <a:p>
             <a:fld id="{63A1C593-65D0-4073-BCC9-577B9352EA97}" type="datetimeFigureOut">
               <a:rPr lang="en-US" smtClean="0"/>
+              <a:t>1/3/2024</a:t>
             </a:fld>
             <a:endParaRPr lang="en-US"/>
           </a:p>
@@ -796,6 +1362,7 @@
           <a:p>
             <a:fld id="{9B618960-8005-486C-9A75-10CB2AAC16F9}" type="slidenum">
               <a:rPr lang="en-US" smtClean="0"/>
+              <a:t>‹#›</a:t>
             </a:fld>
             <a:endParaRPr lang="en-US"/>
           </a:p>
@@ -851,10 +1418,9 @@
           </a:lstStyle>
           <a:p>
             <a:r>
-              <a:rPr lang="en-US" smtClean="0"/>
+              <a:rPr lang="en-US"/>
               <a:t>Click to edit Master title style</a:t>
             </a:r>
-            <a:endParaRPr lang="en-US"/>
           </a:p>
         </p:txBody>
       </p:sp>
@@ -971,10 +1537,9 @@
           <a:p>
             <a:pPr lvl="0"/>
             <a:r>
-              <a:rPr lang="en-US" smtClean="0"/>
+              <a:rPr lang="en-US"/>
               <a:t>Click to edit Master text styles</a:t>
             </a:r>
-            <a:endParaRPr lang="en-US" smtClean="0"/>
           </a:p>
         </p:txBody>
       </p:sp>
@@ -995,6 +1560,7 @@
           <a:p>
             <a:fld id="{63A1C593-65D0-4073-BCC9-577B9352EA97}" type="datetimeFigureOut">
               <a:rPr lang="en-US" smtClean="0"/>
+              <a:t>1/3/2024</a:t>
             </a:fld>
             <a:endParaRPr lang="en-US"/>
           </a:p>
@@ -1036,6 +1602,7 @@
           <a:p>
             <a:fld id="{9B618960-8005-486C-9A75-10CB2AAC16F9}" type="slidenum">
               <a:rPr lang="en-US" smtClean="0"/>
+              <a:t>‹#›</a:t>
             </a:fld>
             <a:endParaRPr lang="en-US"/>
           </a:p>
@@ -1082,10 +1649,9 @@
           <a:lstStyle/>
           <a:p>
             <a:r>
-              <a:rPr lang="en-US" smtClean="0"/>
+              <a:rPr lang="en-US"/>
               <a:t>Click to edit Master title style</a:t>
             </a:r>
-            <a:endParaRPr lang="en-US"/>
           </a:p>
         </p:txBody>
       </p:sp>
@@ -1111,42 +1677,37 @@
           <a:p>
             <a:pPr lvl="0"/>
             <a:r>
-              <a:rPr lang="en-US" smtClean="0"/>
+              <a:rPr lang="en-US"/>
               <a:t>Click to edit Master text styles</a:t>
             </a:r>
-            <a:endParaRPr lang="en-US" smtClean="0"/>
           </a:p>
           <a:p>
             <a:pPr lvl="1"/>
             <a:r>
-              <a:rPr lang="en-US" smtClean="0"/>
+              <a:rPr lang="en-US"/>
               <a:t>Second level</a:t>
             </a:r>
-            <a:endParaRPr lang="en-US" smtClean="0"/>
           </a:p>
           <a:p>
             <a:pPr lvl="2"/>
             <a:r>
-              <a:rPr lang="en-US" smtClean="0"/>
+              <a:rPr lang="en-US"/>
               <a:t>Third level</a:t>
             </a:r>
-            <a:endParaRPr lang="en-US" smtClean="0"/>
           </a:p>
           <a:p>
             <a:pPr lvl="3"/>
             <a:r>
-              <a:rPr lang="en-US" smtClean="0"/>
+              <a:rPr lang="en-US"/>
               <a:t>Fourth level</a:t>
             </a:r>
-            <a:endParaRPr lang="en-US" smtClean="0"/>
           </a:p>
           <a:p>
             <a:pPr lvl="4"/>
             <a:r>
-              <a:rPr lang="en-US" smtClean="0"/>
+              <a:rPr lang="en-US"/>
               <a:t>Fifth level</a:t>
             </a:r>
-            <a:endParaRPr lang="en-US"/>
           </a:p>
         </p:txBody>
       </p:sp>
@@ -1172,42 +1733,37 @@
           <a:p>
             <a:pPr lvl="0"/>
             <a:r>
-              <a:rPr lang="en-US" smtClean="0"/>
+              <a:rPr lang="en-US"/>
               <a:t>Click to edit Master text styles</a:t>
             </a:r>
-            <a:endParaRPr lang="en-US" smtClean="0"/>
           </a:p>
           <a:p>
             <a:pPr lvl="1"/>
             <a:r>
-              <a:rPr lang="en-US" smtClean="0"/>
+              <a:rPr lang="en-US"/>
               <a:t>Second level</a:t>
             </a:r>
-            <a:endParaRPr lang="en-US" smtClean="0"/>
           </a:p>
           <a:p>
             <a:pPr lvl="2"/>
             <a:r>
-              <a:rPr lang="en-US" smtClean="0"/>
+              <a:rPr lang="en-US"/>
               <a:t>Third level</a:t>
             </a:r>
-            <a:endParaRPr lang="en-US" smtClean="0"/>
           </a:p>
           <a:p>
             <a:pPr lvl="3"/>
             <a:r>
-              <a:rPr lang="en-US" smtClean="0"/>
+              <a:rPr lang="en-US"/>
               <a:t>Fourth level</a:t>
             </a:r>
-            <a:endParaRPr lang="en-US" smtClean="0"/>
           </a:p>
           <a:p>
             <a:pPr lvl="4"/>
             <a:r>
-              <a:rPr lang="en-US" smtClean="0"/>
+              <a:rPr lang="en-US"/>
               <a:t>Fifth level</a:t>
             </a:r>
-            <a:endParaRPr lang="en-US"/>
           </a:p>
         </p:txBody>
       </p:sp>
@@ -1228,6 +1784,7 @@
           <a:p>
             <a:fld id="{63A1C593-65D0-4073-BCC9-577B9352EA97}" type="datetimeFigureOut">
               <a:rPr lang="en-US" smtClean="0"/>
+              <a:t>1/3/2024</a:t>
             </a:fld>
             <a:endParaRPr lang="en-US"/>
           </a:p>
@@ -1269,6 +1826,7 @@
           <a:p>
             <a:fld id="{9B618960-8005-486C-9A75-10CB2AAC16F9}" type="slidenum">
               <a:rPr lang="en-US" smtClean="0"/>
+              <a:t>‹#›</a:t>
             </a:fld>
             <a:endParaRPr lang="en-US"/>
           </a:p>
@@ -1320,10 +1878,9 @@
           <a:lstStyle/>
           <a:p>
             <a:r>
-              <a:rPr lang="en-US" smtClean="0"/>
+              <a:rPr lang="en-US"/>
               <a:t>Click to edit Master title style</a:t>
             </a:r>
-            <a:endParaRPr lang="en-US"/>
           </a:p>
         </p:txBody>
       </p:sp>
@@ -1386,10 +1943,9 @@
           <a:p>
             <a:pPr lvl="0"/>
             <a:r>
-              <a:rPr lang="en-US" smtClean="0"/>
+              <a:rPr lang="en-US"/>
               <a:t>Click to edit Master text styles</a:t>
             </a:r>
-            <a:endParaRPr lang="en-US" smtClean="0"/>
           </a:p>
         </p:txBody>
       </p:sp>
@@ -1415,42 +1971,37 @@
           <a:p>
             <a:pPr lvl="0"/>
             <a:r>
-              <a:rPr lang="en-US" smtClean="0"/>
+              <a:rPr lang="en-US"/>
               <a:t>Click to edit Master text styles</a:t>
             </a:r>
-            <a:endParaRPr lang="en-US" smtClean="0"/>
           </a:p>
           <a:p>
             <a:pPr lvl="1"/>
             <a:r>
-              <a:rPr lang="en-US" smtClean="0"/>
+              <a:rPr lang="en-US"/>
               <a:t>Second level</a:t>
             </a:r>
-            <a:endParaRPr lang="en-US" smtClean="0"/>
           </a:p>
           <a:p>
             <a:pPr lvl="2"/>
             <a:r>
-              <a:rPr lang="en-US" smtClean="0"/>
+              <a:rPr lang="en-US"/>
               <a:t>Third level</a:t>
             </a:r>
-            <a:endParaRPr lang="en-US" smtClean="0"/>
           </a:p>
           <a:p>
             <a:pPr lvl="3"/>
             <a:r>
-              <a:rPr lang="en-US" smtClean="0"/>
+              <a:rPr lang="en-US"/>
               <a:t>Fourth level</a:t>
             </a:r>
-            <a:endParaRPr lang="en-US" smtClean="0"/>
           </a:p>
           <a:p>
             <a:pPr lvl="4"/>
             <a:r>
-              <a:rPr lang="en-US" smtClean="0"/>
+              <a:rPr lang="en-US"/>
               <a:t>Fifth level</a:t>
             </a:r>
-            <a:endParaRPr lang="en-US"/>
           </a:p>
         </p:txBody>
       </p:sp>
@@ -1513,10 +2064,9 @@
           <a:p>
             <a:pPr lvl="0"/>
             <a:r>
-              <a:rPr lang="en-US" smtClean="0"/>
+              <a:rPr lang="en-US"/>
               <a:t>Click to edit Master text styles</a:t>
             </a:r>
-            <a:endParaRPr lang="en-US" smtClean="0"/>
           </a:p>
         </p:txBody>
       </p:sp>
@@ -1542,42 +2092,37 @@
           <a:p>
             <a:pPr lvl="0"/>
             <a:r>
-              <a:rPr lang="en-US" smtClean="0"/>
+              <a:rPr lang="en-US"/>
               <a:t>Click to edit Master text styles</a:t>
             </a:r>
-            <a:endParaRPr lang="en-US" smtClean="0"/>
           </a:p>
           <a:p>
             <a:pPr lvl="1"/>
             <a:r>
-              <a:rPr lang="en-US" smtClean="0"/>
+              <a:rPr lang="en-US"/>
               <a:t>Second level</a:t>
             </a:r>
-            <a:endParaRPr lang="en-US" smtClean="0"/>
           </a:p>
           <a:p>
             <a:pPr lvl="2"/>
             <a:r>
-              <a:rPr lang="en-US" smtClean="0"/>
+              <a:rPr lang="en-US"/>
               <a:t>Third level</a:t>
             </a:r>
-            <a:endParaRPr lang="en-US" smtClean="0"/>
           </a:p>
           <a:p>
             <a:pPr lvl="3"/>
             <a:r>
-              <a:rPr lang="en-US" smtClean="0"/>
+              <a:rPr lang="en-US"/>
               <a:t>Fourth level</a:t>
             </a:r>
-            <a:endParaRPr lang="en-US" smtClean="0"/>
           </a:p>
           <a:p>
             <a:pPr lvl="4"/>
             <a:r>
-              <a:rPr lang="en-US" smtClean="0"/>
+              <a:rPr lang="en-US"/>
               <a:t>Fifth level</a:t>
             </a:r>
-            <a:endParaRPr lang="en-US"/>
           </a:p>
         </p:txBody>
       </p:sp>
@@ -1598,6 +2143,7 @@
           <a:p>
             <a:fld id="{63A1C593-65D0-4073-BCC9-577B9352EA97}" type="datetimeFigureOut">
               <a:rPr lang="en-US" smtClean="0"/>
+              <a:t>1/3/2024</a:t>
             </a:fld>
             <a:endParaRPr lang="en-US"/>
           </a:p>
@@ -1639,6 +2185,7 @@
           <a:p>
             <a:fld id="{9B618960-8005-486C-9A75-10CB2AAC16F9}" type="slidenum">
               <a:rPr lang="en-US" smtClean="0"/>
+              <a:t>‹#›</a:t>
             </a:fld>
             <a:endParaRPr lang="en-US"/>
           </a:p>
@@ -1685,10 +2232,9 @@
           <a:lstStyle/>
           <a:p>
             <a:r>
-              <a:rPr lang="en-US" smtClean="0"/>
+              <a:rPr lang="en-US"/>
               <a:t>Click to edit Master title style</a:t>
             </a:r>
-            <a:endParaRPr lang="en-US"/>
           </a:p>
         </p:txBody>
       </p:sp>
@@ -1709,6 +2255,7 @@
           <a:p>
             <a:fld id="{63A1C593-65D0-4073-BCC9-577B9352EA97}" type="datetimeFigureOut">
               <a:rPr lang="en-US" smtClean="0"/>
+              <a:t>1/3/2024</a:t>
             </a:fld>
             <a:endParaRPr lang="en-US"/>
           </a:p>
@@ -1750,6 +2297,7 @@
           <a:p>
             <a:fld id="{9B618960-8005-486C-9A75-10CB2AAC16F9}" type="slidenum">
               <a:rPr lang="en-US" smtClean="0"/>
+              <a:t>‹#›</a:t>
             </a:fld>
             <a:endParaRPr lang="en-US"/>
           </a:p>
@@ -1797,6 +2345,7 @@
           <a:p>
             <a:fld id="{63A1C593-65D0-4073-BCC9-577B9352EA97}" type="datetimeFigureOut">
               <a:rPr lang="en-US" smtClean="0"/>
+              <a:t>1/3/2024</a:t>
             </a:fld>
             <a:endParaRPr lang="en-US"/>
           </a:p>
@@ -1838,6 +2387,7 @@
           <a:p>
             <a:fld id="{9B618960-8005-486C-9A75-10CB2AAC16F9}" type="slidenum">
               <a:rPr lang="en-US" smtClean="0"/>
+              <a:t>‹#›</a:t>
             </a:fld>
             <a:endParaRPr lang="en-US"/>
           </a:p>
@@ -1893,10 +2443,9 @@
           </a:lstStyle>
           <a:p>
             <a:r>
-              <a:rPr lang="en-US" smtClean="0"/>
+              <a:rPr lang="en-US"/>
               <a:t>Click to edit Master title style</a:t>
             </a:r>
-            <a:endParaRPr lang="en-US"/>
           </a:p>
         </p:txBody>
       </p:sp>
@@ -1950,42 +2499,37 @@
           <a:p>
             <a:pPr lvl="0"/>
             <a:r>
-              <a:rPr lang="en-US" smtClean="0"/>
+              <a:rPr lang="en-US"/>
               <a:t>Click to edit Master text styles</a:t>
             </a:r>
-            <a:endParaRPr lang="en-US" smtClean="0"/>
           </a:p>
           <a:p>
             <a:pPr lvl="1"/>
             <a:r>
-              <a:rPr lang="en-US" smtClean="0"/>
+              <a:rPr lang="en-US"/>
               <a:t>Second level</a:t>
             </a:r>
-            <a:endParaRPr lang="en-US" smtClean="0"/>
           </a:p>
           <a:p>
             <a:pPr lvl="2"/>
             <a:r>
-              <a:rPr lang="en-US" smtClean="0"/>
+              <a:rPr lang="en-US"/>
               <a:t>Third level</a:t>
             </a:r>
-            <a:endParaRPr lang="en-US" smtClean="0"/>
           </a:p>
           <a:p>
             <a:pPr lvl="3"/>
             <a:r>
-              <a:rPr lang="en-US" smtClean="0"/>
+              <a:rPr lang="en-US"/>
               <a:t>Fourth level</a:t>
             </a:r>
-            <a:endParaRPr lang="en-US" smtClean="0"/>
           </a:p>
           <a:p>
             <a:pPr lvl="4"/>
             <a:r>
-              <a:rPr lang="en-US" smtClean="0"/>
+              <a:rPr lang="en-US"/>
               <a:t>Fifth level</a:t>
             </a:r>
-            <a:endParaRPr lang="en-US"/>
           </a:p>
         </p:txBody>
       </p:sp>
@@ -2048,10 +2592,9 @@
           <a:p>
             <a:pPr lvl="0"/>
             <a:r>
-              <a:rPr lang="en-US" smtClean="0"/>
+              <a:rPr lang="en-US"/>
               <a:t>Click to edit Master text styles</a:t>
             </a:r>
-            <a:endParaRPr lang="en-US" smtClean="0"/>
           </a:p>
         </p:txBody>
       </p:sp>
@@ -2072,6 +2615,7 @@
           <a:p>
             <a:fld id="{63A1C593-65D0-4073-BCC9-577B9352EA97}" type="datetimeFigureOut">
               <a:rPr lang="en-US" smtClean="0"/>
+              <a:t>1/3/2024</a:t>
             </a:fld>
             <a:endParaRPr lang="en-US"/>
           </a:p>
@@ -2113,6 +2657,7 @@
           <a:p>
             <a:fld id="{9B618960-8005-486C-9A75-10CB2AAC16F9}" type="slidenum">
               <a:rPr lang="en-US" smtClean="0"/>
+              <a:t>‹#›</a:t>
             </a:fld>
             <a:endParaRPr lang="en-US"/>
           </a:p>
@@ -2168,10 +2713,9 @@
           </a:lstStyle>
           <a:p>
             <a:r>
-              <a:rPr lang="en-US" smtClean="0"/>
+              <a:rPr lang="en-US"/>
               <a:t>Click to edit Master title style</a:t>
             </a:r>
-            <a:endParaRPr lang="en-US"/>
           </a:p>
         </p:txBody>
       </p:sp>
@@ -2295,10 +2839,9 @@
           <a:p>
             <a:pPr lvl="0"/>
             <a:r>
-              <a:rPr lang="en-US" smtClean="0"/>
+              <a:rPr lang="en-US"/>
               <a:t>Click to edit Master text styles</a:t>
             </a:r>
-            <a:endParaRPr lang="en-US" smtClean="0"/>
           </a:p>
         </p:txBody>
       </p:sp>
@@ -2319,6 +2862,7 @@
           <a:p>
             <a:fld id="{63A1C593-65D0-4073-BCC9-577B9352EA97}" type="datetimeFigureOut">
               <a:rPr lang="en-US" smtClean="0"/>
+              <a:t>1/3/2024</a:t>
             </a:fld>
             <a:endParaRPr lang="en-US"/>
           </a:p>
@@ -2360,6 +2904,7 @@
           <a:p>
             <a:fld id="{9B618960-8005-486C-9A75-10CB2AAC16F9}" type="slidenum">
               <a:rPr lang="en-US" smtClean="0"/>
+              <a:t>‹#›</a:t>
             </a:fld>
             <a:endParaRPr lang="en-US"/>
           </a:p>
@@ -2421,10 +2966,9 @@
           <a:lstStyle/>
           <a:p>
             <a:r>
-              <a:rPr lang="en-US" smtClean="0"/>
+              <a:rPr lang="en-US"/>
               <a:t>Click to edit Master title style</a:t>
             </a:r>
-            <a:endParaRPr lang="en-US"/>
           </a:p>
         </p:txBody>
       </p:sp>
@@ -2455,42 +2999,37 @@
           <a:p>
             <a:pPr lvl="0"/>
             <a:r>
-              <a:rPr lang="en-US" smtClean="0"/>
+              <a:rPr lang="en-US"/>
               <a:t>Click to edit Master text styles</a:t>
             </a:r>
-            <a:endParaRPr lang="en-US" smtClean="0"/>
           </a:p>
           <a:p>
             <a:pPr lvl="1"/>
             <a:r>
-              <a:rPr lang="en-US" smtClean="0"/>
+              <a:rPr lang="en-US"/>
               <a:t>Second level</a:t>
             </a:r>
-            <a:endParaRPr lang="en-US" smtClean="0"/>
           </a:p>
           <a:p>
             <a:pPr lvl="2"/>
             <a:r>
-              <a:rPr lang="en-US" smtClean="0"/>
+              <a:rPr lang="en-US"/>
               <a:t>Third level</a:t>
             </a:r>
-            <a:endParaRPr lang="en-US" smtClean="0"/>
           </a:p>
           <a:p>
             <a:pPr lvl="3"/>
             <a:r>
-              <a:rPr lang="en-US" smtClean="0"/>
+              <a:rPr lang="en-US"/>
               <a:t>Fourth level</a:t>
             </a:r>
-            <a:endParaRPr lang="en-US" smtClean="0"/>
           </a:p>
           <a:p>
             <a:pPr lvl="4"/>
             <a:r>
-              <a:rPr lang="en-US" smtClean="0"/>
+              <a:rPr lang="en-US"/>
               <a:t>Fifth level</a:t>
             </a:r>
-            <a:endParaRPr lang="en-US"/>
           </a:p>
         </p:txBody>
       </p:sp>
@@ -2529,6 +3068,7 @@
           <a:p>
             <a:fld id="{63A1C593-65D0-4073-BCC9-577B9352EA97}" type="datetimeFigureOut">
               <a:rPr lang="en-US" smtClean="0"/>
+              <a:t>1/3/2024</a:t>
             </a:fld>
             <a:endParaRPr lang="en-US"/>
           </a:p>
@@ -2606,6 +3146,7 @@
           <a:p>
             <a:fld id="{9B618960-8005-486C-9A75-10CB2AAC16F9}" type="slidenum">
               <a:rPr lang="en-US" smtClean="0"/>
+              <a:t>‹#›</a:t>
             </a:fld>
             <a:endParaRPr lang="en-US"/>
           </a:p>
@@ -2948,7 +3489,6 @@
               <a:rPr lang="en-US" dirty="0"/>
               <a:t>Three Complexity Levels of PWM Implementation for Digital Controller Simulation</a:t>
             </a:r>
-            <a:endParaRPr lang="en-US" dirty="0"/>
           </a:p>
         </p:txBody>
       </p:sp>
@@ -2971,11 +3511,195 @@
               <a:rPr lang="en-US"/>
               <a:t>By: Arief Noor Rahman</a:t>
             </a:r>
-            <a:endParaRPr lang="en-US"/>
           </a:p>
         </p:txBody>
       </p:sp>
     </p:spTree>
+  </p:cSld>
+  <p:clrMapOvr>
+    <a:masterClrMapping/>
+  </p:clrMapOvr>
+</p:sld>
+</file>
+
+<file path=ppt/slides/slide10.xml><?xml version="1.0" encoding="utf-8"?>
+<p:sld xmlns:a="http://schemas.openxmlformats.org/drawingml/2006/main" xmlns:r="http://schemas.openxmlformats.org/officeDocument/2006/relationships" xmlns:p="http://schemas.openxmlformats.org/presentationml/2006/main">
+  <p:cSld>
+    <p:spTree>
+      <p:nvGrpSpPr>
+        <p:cNvPr id="1" name=""/>
+        <p:cNvGrpSpPr/>
+        <p:nvPr/>
+      </p:nvGrpSpPr>
+      <p:grpSpPr>
+        <a:xfrm>
+          <a:off x="0" y="0"/>
+          <a:ext cx="0" cy="0"/>
+          <a:chOff x="0" y="0"/>
+          <a:chExt cx="0" cy="0"/>
+        </a:xfrm>
+      </p:grpSpPr>
+      <p:sp>
+        <p:nvSpPr>
+          <p:cNvPr id="2" name="Title 1"/>
+          <p:cNvSpPr>
+            <a:spLocks noGrp="1"/>
+          </p:cNvSpPr>
+          <p:nvPr>
+            <p:ph type="title"/>
+          </p:nvPr>
+        </p:nvSpPr>
+        <p:spPr>
+          <a:xfrm>
+            <a:off x="240030" y="365125"/>
+            <a:ext cx="11711305" cy="722630"/>
+          </a:xfrm>
+        </p:spPr>
+        <p:txBody>
+          <a:bodyPr>
+            <a:normAutofit/>
+          </a:bodyPr>
+          <a:lstStyle/>
+          <a:p>
+            <a:r>
+              <a:rPr lang="en-US" dirty="0"/>
+              <a:t>Summary</a:t>
+            </a:r>
+          </a:p>
+        </p:txBody>
+      </p:sp>
+      <p:sp>
+        <p:nvSpPr>
+          <p:cNvPr id="3" name="Content Placeholder 2"/>
+          <p:cNvSpPr>
+            <a:spLocks noGrp="1"/>
+          </p:cNvSpPr>
+          <p:nvPr>
+            <p:ph idx="1"/>
+          </p:nvPr>
+        </p:nvSpPr>
+        <p:spPr>
+          <a:xfrm>
+            <a:off x="239395" y="1087120"/>
+            <a:ext cx="11711940" cy="5563870"/>
+          </a:xfrm>
+        </p:spPr>
+        <p:txBody>
+          <a:bodyPr>
+            <a:normAutofit/>
+          </a:bodyPr>
+          <a:lstStyle/>
+          <a:p>
+            <a:pPr marL="255270" indent="-255270" algn="just">
+              <a:buAutoNum type="arabicPeriod"/>
+            </a:pPr>
+            <a:r>
+              <a:rPr lang="en-US" sz="2400" dirty="0"/>
+              <a:t>The high simulation accuracy and timing accuracy can be achieved by using the </a:t>
+            </a:r>
+            <a:r>
+              <a:rPr lang="en-US" sz="2400" dirty="0" err="1"/>
+              <a:t>Trunc</a:t>
+            </a:r>
+            <a:r>
+              <a:rPr lang="en-US" sz="2400" dirty="0"/>
+              <a:t>() feature.</a:t>
+            </a:r>
+          </a:p>
+          <a:p>
+            <a:pPr marL="255270" indent="-255270" algn="just">
+              <a:buAutoNum type="arabicPeriod"/>
+            </a:pPr>
+            <a:r>
+              <a:rPr lang="en-US" sz="2400" dirty="0"/>
+              <a:t>For the same simulation condition (without deadtime), the timing algorithm can reduce the simulation time down by 58%. Even with deadtime (highest accuracy) the simulation time is 32% faster than using the </a:t>
+            </a:r>
+            <a:r>
+              <a:rPr lang="en-US" sz="2400" dirty="0" err="1"/>
+              <a:t>Qspice</a:t>
+            </a:r>
+            <a:r>
+              <a:rPr lang="en-US" sz="2400" dirty="0"/>
+              <a:t> discontinuity detection.</a:t>
+            </a:r>
+          </a:p>
+          <a:p>
+            <a:pPr marL="255270" indent="-255270" algn="just">
+              <a:buAutoNum type="arabicPeriod"/>
+            </a:pPr>
+            <a:r>
+              <a:rPr lang="en-US" sz="2400" dirty="0"/>
+              <a:t>Another benefit of the timing control approach is more accurate overall simulation as indicated by no simulation artifact to be visible on the output voltage and inductor current waveforms.</a:t>
+            </a:r>
+          </a:p>
+        </p:txBody>
+      </p:sp>
+      <p:cxnSp>
+        <p:nvCxnSpPr>
+          <p:cNvPr id="4" name="Straight Connector 3"/>
+          <p:cNvCxnSpPr/>
+          <p:nvPr/>
+        </p:nvCxnSpPr>
+        <p:spPr>
+          <a:xfrm>
+            <a:off x="240030" y="1021080"/>
+            <a:ext cx="11711305" cy="0"/>
+          </a:xfrm>
+          <a:prstGeom prst="line">
+            <a:avLst/>
+          </a:prstGeom>
+        </p:spPr>
+        <p:style>
+          <a:lnRef idx="2">
+            <a:schemeClr val="accent1"/>
+          </a:lnRef>
+          <a:fillRef idx="0">
+            <a:srgbClr val="FFFFFF"/>
+          </a:fillRef>
+          <a:effectRef idx="0">
+            <a:srgbClr val="FFFFFF"/>
+          </a:effectRef>
+          <a:fontRef idx="minor">
+            <a:schemeClr val="tx1"/>
+          </a:fontRef>
+        </p:style>
+      </p:cxnSp>
+      <p:cxnSp>
+        <p:nvCxnSpPr>
+          <p:cNvPr id="5" name="Straight Connector 4"/>
+          <p:cNvCxnSpPr/>
+          <p:nvPr/>
+        </p:nvCxnSpPr>
+        <p:spPr>
+          <a:xfrm>
+            <a:off x="240030" y="1087120"/>
+            <a:ext cx="11711305" cy="0"/>
+          </a:xfrm>
+          <a:prstGeom prst="line">
+            <a:avLst/>
+          </a:prstGeom>
+        </p:spPr>
+        <p:style>
+          <a:lnRef idx="2">
+            <a:schemeClr val="accent1"/>
+          </a:lnRef>
+          <a:fillRef idx="0">
+            <a:srgbClr val="FFFFFF"/>
+          </a:fillRef>
+          <a:effectRef idx="0">
+            <a:srgbClr val="FFFFFF"/>
+          </a:effectRef>
+          <a:fontRef idx="minor">
+            <a:schemeClr val="tx1"/>
+          </a:fontRef>
+        </p:style>
+      </p:cxnSp>
+    </p:spTree>
+    <p:extLst>
+      <p:ext uri="{BB962C8B-B14F-4D97-AF65-F5344CB8AC3E}">
+        <p14:creationId xmlns:p14="http://schemas.microsoft.com/office/powerpoint/2010/main" val="2722878777"/>
+      </p:ext>
+    </p:extLst>
   </p:cSld>
   <p:clrMapOvr>
     <a:masterClrMapping/>
@@ -3026,7 +3750,6 @@
               <a:rPr lang="en-US"/>
               <a:t>Background</a:t>
             </a:r>
-            <a:endParaRPr lang="en-US"/>
           </a:p>
         </p:txBody>
       </p:sp>
@@ -3055,7 +3778,6 @@
               <a:rPr lang="en-US"/>
               <a:t>Qspice has great improvement over its predecessor (LTspice). My favorite feature is the added support for custom digital block (C and Verilog). Which allows more efficient and more direct implementation of various control, analysis, and signal processing algorithm (instead of using circuit/behavioral source or as post processing).</a:t>
             </a:r>
-            <a:endParaRPr lang="en-US"/>
           </a:p>
           <a:p>
             <a:pPr algn="just"/>
@@ -3063,7 +3785,6 @@
               <a:rPr lang="en-US"/>
               <a:t>This article provides a method on how to use C-block to achieve digital smps simulation as fast and as accurate as possible.</a:t>
             </a:r>
-            <a:endParaRPr lang="en-US"/>
           </a:p>
           <a:p>
             <a:pPr algn="just"/>
@@ -3071,7 +3792,6 @@
               <a:rPr lang="en-US"/>
               <a:t>Some background information about the C-block implementation as well as my own understanding of the interaction between main Spice solver with the C-block are provided.</a:t>
             </a:r>
-            <a:endParaRPr lang="en-US"/>
           </a:p>
         </p:txBody>
       </p:sp>
@@ -3178,7 +3898,7 @@
         </p:spPr>
         <p:txBody>
           <a:bodyPr>
-            <a:normAutofit fontScale="90000"/>
+            <a:normAutofit/>
           </a:bodyPr>
           <a:lstStyle/>
           <a:p>
@@ -3186,7 +3906,6 @@
               <a:rPr lang="en-US"/>
               <a:t>Structure of C-block for Qspice</a:t>
             </a:r>
-            <a:endParaRPr lang="en-US"/>
           </a:p>
         </p:txBody>
       </p:sp>
@@ -3259,30 +3978,6 @@
           <p:nvPr/>
         </p:nvPicPr>
         <p:blipFill>
-          <a:blip r:embed="rId1"/>
-          <a:stretch>
-            <a:fillRect/>
-          </a:stretch>
-        </p:blipFill>
-        <p:spPr>
-          <a:xfrm>
-            <a:off x="4954270" y="1153160"/>
-            <a:ext cx="5533390" cy="5502275"/>
-          </a:xfrm>
-          <a:prstGeom prst="rect">
-            <a:avLst/>
-          </a:prstGeom>
-        </p:spPr>
-      </p:pic>
-      <p:pic>
-        <p:nvPicPr>
-          <p:cNvPr id="9" name="Picture 8"/>
-          <p:cNvPicPr>
-            <a:picLocks noChangeAspect="1"/>
-          </p:cNvPicPr>
-          <p:nvPr/>
-        </p:nvPicPr>
-        <p:blipFill>
           <a:blip r:embed="rId2"/>
           <a:stretch>
             <a:fillRect/>
@@ -3290,8 +3985,8 @@
         </p:blipFill>
         <p:spPr>
           <a:xfrm>
-            <a:off x="240030" y="1155700"/>
-            <a:ext cx="4458335" cy="5504815"/>
+            <a:off x="4954270" y="1153160"/>
+            <a:ext cx="5533390" cy="5502275"/>
           </a:xfrm>
           <a:prstGeom prst="rect">
             <a:avLst/>
@@ -3300,7 +3995,7 @@
       </p:pic>
       <p:pic>
         <p:nvPicPr>
-          <p:cNvPr id="11" name="Picture 10"/>
+          <p:cNvPr id="9" name="Picture 8"/>
           <p:cNvPicPr>
             <a:picLocks noChangeAspect="1"/>
           </p:cNvPicPr>
@@ -3314,6 +4009,30 @@
         </p:blipFill>
         <p:spPr>
           <a:xfrm>
+            <a:off x="240030" y="1155700"/>
+            <a:ext cx="4458335" cy="5504815"/>
+          </a:xfrm>
+          <a:prstGeom prst="rect">
+            <a:avLst/>
+          </a:prstGeom>
+        </p:spPr>
+      </p:pic>
+      <p:pic>
+        <p:nvPicPr>
+          <p:cNvPr id="11" name="Picture 10"/>
+          <p:cNvPicPr>
+            <a:picLocks noChangeAspect="1"/>
+          </p:cNvPicPr>
+          <p:nvPr/>
+        </p:nvPicPr>
+        <p:blipFill>
+          <a:blip r:embed="rId4"/>
+          <a:stretch>
+            <a:fillRect/>
+          </a:stretch>
+        </p:blipFill>
+        <p:spPr>
+          <a:xfrm>
             <a:off x="3670935" y="1096010"/>
             <a:ext cx="1283335" cy="1288415"/>
           </a:xfrm>
@@ -3347,6 +4066,7 @@
           <a:bodyPr wrap="square" rtlCol="0">
             <a:spAutoFit/>
           </a:bodyPr>
+          <a:lstStyle/>
           <a:p>
             <a:r>
               <a:rPr lang="en-US" sz="1000"/>
@@ -3368,7 +4088,6 @@
               <a:rPr lang="en-US" sz="1000"/>
               <a:t> is called.</a:t>
             </a:r>
-            <a:endParaRPr lang="en-US" sz="1000"/>
           </a:p>
         </p:txBody>
       </p:sp>
@@ -3397,12 +4116,12 @@
           <a:bodyPr wrap="square" rtlCol="0">
             <a:spAutoFit/>
           </a:bodyPr>
+          <a:lstStyle/>
           <a:p>
             <a:r>
               <a:rPr lang="en-US" sz="1000"/>
               <a:t>this union defined all the data types used for the input/output for the C-block. we can leave it as is.</a:t>
             </a:r>
-            <a:endParaRPr lang="en-US" sz="1000"/>
           </a:p>
         </p:txBody>
       </p:sp>
@@ -3431,12 +4150,12 @@
           <a:bodyPr wrap="square" rtlCol="0">
             <a:spAutoFit/>
           </a:bodyPr>
+          <a:lstStyle/>
           <a:p>
             <a:r>
               <a:rPr lang="en-US" sz="1000"/>
               <a:t>this is something to do with how windows load the .dll and allow the code to be called. we can leave it as is.</a:t>
             </a:r>
-            <a:endParaRPr lang="en-US" sz="1000"/>
           </a:p>
         </p:txBody>
       </p:sp>
@@ -3579,12 +4298,12 @@
           <a:bodyPr wrap="square" rtlCol="0">
             <a:spAutoFit/>
           </a:bodyPr>
+          <a:lstStyle/>
           <a:p>
             <a:r>
               <a:rPr lang="en-US" sz="1000"/>
               <a:t>upon call bzero(), it reset all the value in the struct sBUCK_X1 to zero</a:t>
             </a:r>
-            <a:endParaRPr lang="en-US" sz="1000"/>
           </a:p>
         </p:txBody>
       </p:sp>
@@ -3651,12 +4370,12 @@
           <a:bodyPr wrap="square" rtlCol="0">
             <a:spAutoFit/>
           </a:bodyPr>
+          <a:lstStyle/>
           <a:p>
             <a:r>
               <a:rPr lang="en-US" sz="1000"/>
               <a:t>user can define most of all data in struct sBUCK_X1. the data defined in sBUCK_X1 will be maintained by Qspice throughout all the simulation, even when negative timestep is applied.</a:t>
             </a:r>
-            <a:endParaRPr lang="en-US" sz="1000"/>
           </a:p>
         </p:txBody>
       </p:sp>
@@ -3723,19 +4442,18 @@
           <a:bodyPr wrap="square" rtlCol="0">
             <a:spAutoFit/>
           </a:bodyPr>
+          <a:lstStyle/>
           <a:p>
             <a:r>
               <a:rPr lang="en-US" sz="1000"/>
               <a:t>main function for all the algorithm implementation.</a:t>
             </a:r>
-            <a:endParaRPr lang="en-US" sz="1000"/>
           </a:p>
           <a:p>
             <a:r>
               <a:rPr lang="en-US" sz="1000"/>
               <a:t>*note: things in if(!opaque){} will be executed once at the beginning of the simulation. users can put some calculation there that just need to run once.</a:t>
             </a:r>
-            <a:endParaRPr lang="en-US" sz="1000"/>
           </a:p>
         </p:txBody>
       </p:sp>
@@ -3764,12 +4482,12 @@
           <a:bodyPr wrap="square" rtlCol="0">
             <a:spAutoFit/>
           </a:bodyPr>
+          <a:lstStyle/>
           <a:p>
             <a:r>
               <a:rPr lang="en-US" sz="1000"/>
               <a:t>Qspice will call this function to determine the maximum allowable time step. Qspice takes into account all suggestion from all components in the simulation</a:t>
             </a:r>
-            <a:endParaRPr lang="en-US" sz="1000"/>
           </a:p>
         </p:txBody>
       </p:sp>
@@ -3798,12 +4516,12 @@
           <a:bodyPr wrap="square" rtlCol="0">
             <a:spAutoFit/>
           </a:bodyPr>
+          <a:lstStyle/>
           <a:p>
             <a:r>
               <a:rPr lang="en-US" sz="1000"/>
               <a:t>Qspice calls this function to read if there is any suggestion for the next timestep. Qspice take into account all suggestion from all components in the simulation.</a:t>
             </a:r>
-            <a:endParaRPr lang="en-US" sz="1000"/>
           </a:p>
         </p:txBody>
       </p:sp>
@@ -3946,12 +4664,12 @@
           <a:bodyPr wrap="square" rtlCol="0">
             <a:spAutoFit/>
           </a:bodyPr>
+          <a:lstStyle/>
           <a:p>
             <a:r>
               <a:rPr lang="en-US" sz="1000"/>
               <a:t>This function only called once upon the termination of the simulation.</a:t>
             </a:r>
-            <a:endParaRPr lang="en-US" sz="1000"/>
           </a:p>
         </p:txBody>
       </p:sp>
@@ -4044,7 +4762,6 @@
               <a:rPr lang="en-US"/>
               <a:t>Tricky Parts about C-block and Timing within Qspice</a:t>
             </a:r>
-            <a:endParaRPr lang="en-US"/>
           </a:p>
         </p:txBody>
       </p:sp>
@@ -4085,7 +4802,6 @@
               <a:rPr lang="en-US" sz="1600"/>
               <a:t>This behavior can mess up with C-block as most control/signal processing algorithm are not designed with negative timestep. Where it can cause the user’s algorithm to be called multitle time for the same simulation run time. To avoid this, ensure that the variables that is sensitive to simulation runtime must be defined within the struct sBuck_X1</a:t>
             </a:r>
-            <a:endParaRPr lang="en-US" sz="1600"/>
           </a:p>
           <a:p>
             <a:pPr marL="255270" indent="-255270" algn="just">
@@ -4105,7 +4821,6 @@
               <a:rPr lang="en-US" sz="1600"/>
               <a:t>To speed up the simulation, in case of digital control smps, we can exploit the characteristic of the digital pwm implementation where the duty cycle for the of the future switching period is defined by the last sampling period. Means we can set send the Qspice solver the next timestep suggestion to directly hit the next transistor switching time.</a:t>
             </a:r>
-            <a:endParaRPr lang="en-US" sz="1600"/>
           </a:p>
           <a:p>
             <a:pPr marL="457200" lvl="1" indent="0" algn="just">
@@ -4115,7 +4830,6 @@
               <a:rPr lang="en-US" sz="1370"/>
               <a:t>*note: Qspice takes in the smallest maxtimestep and smallest timestep suggestion from all components in the simulation schematic</a:t>
             </a:r>
-            <a:endParaRPr lang="en-US" sz="1370"/>
           </a:p>
           <a:p>
             <a:pPr marL="255270" indent="-255270" algn="just">
@@ -4228,22 +4942,14 @@
         </p:spPr>
         <p:txBody>
           <a:bodyPr>
-            <a:normAutofit fontScale="90000"/>
+            <a:normAutofit/>
           </a:bodyPr>
           <a:lstStyle/>
           <a:p>
             <a:r>
-              <a:rPr lang="en-US" sz="2000"/>
-              <a:t>The three levels of complexity</a:t>
-            </a:r>
-            <a:br>
-              <a:rPr lang="en-US" sz="2000"/>
-            </a:br>
-            <a:r>
-              <a:rPr lang="en-US"/>
-              <a:t>Level 1 : C-block only for control algorithm</a:t>
-            </a:r>
-            <a:endParaRPr lang="en-US"/>
+              <a:rPr lang="en-US" dirty="0"/>
+              <a:t>Timing Control Implementation Algorithm</a:t>
+            </a:r>
           </a:p>
         </p:txBody>
       </p:sp>
@@ -4309,129 +5015,40 @@
       </p:cxnSp>
       <p:pic>
         <p:nvPicPr>
-          <p:cNvPr id="6" name="Picture 5"/>
+          <p:cNvPr id="13" name="Picture 12">
+            <a:extLst>
+              <a:ext uri="{FF2B5EF4-FFF2-40B4-BE49-F238E27FC236}">
+                <a16:creationId xmlns:a16="http://schemas.microsoft.com/office/drawing/2014/main" id="{D02FD1F4-D578-4135-B1E4-25FFC18E7353}"/>
+              </a:ext>
+            </a:extLst>
+          </p:cNvPr>
           <p:cNvPicPr>
             <a:picLocks noChangeAspect="1"/>
           </p:cNvPicPr>
           <p:nvPr/>
         </p:nvPicPr>
         <p:blipFill>
-          <a:blip r:embed="rId1"/>
+          <a:blip r:embed="rId2"/>
           <a:stretch>
             <a:fillRect/>
           </a:stretch>
         </p:blipFill>
         <p:spPr>
           <a:xfrm>
-            <a:off x="240030" y="1153160"/>
-            <a:ext cx="5855335" cy="3526790"/>
+            <a:off x="1125416" y="1153160"/>
+            <a:ext cx="10322169" cy="5602570"/>
           </a:xfrm>
           <a:prstGeom prst="rect">
             <a:avLst/>
           </a:prstGeom>
         </p:spPr>
       </p:pic>
-      <p:sp>
-        <p:nvSpPr>
-          <p:cNvPr id="3" name="Content Placeholder 2"/>
-          <p:cNvSpPr>
-            <a:spLocks noGrp="1"/>
-          </p:cNvSpPr>
-          <p:nvPr>
-            <p:ph idx="1"/>
-          </p:nvPr>
-        </p:nvSpPr>
-        <p:spPr>
-          <a:xfrm>
-            <a:off x="6096000" y="1087120"/>
-            <a:ext cx="5855335" cy="5563870"/>
-          </a:xfrm>
-        </p:spPr>
-        <p:txBody>
-          <a:bodyPr>
-            <a:normAutofit fontScale="60000"/>
-          </a:bodyPr>
-          <a:p>
-            <a:pPr marL="0" indent="0" algn="just">
-              <a:buNone/>
-            </a:pPr>
-            <a:r>
-              <a:rPr lang="en-US"/>
-              <a:t>In this approach, C-block only performs the control algorithm that read analog feedback and send out duty cycle command. Sampling timing control for C-block is provided by the </a:t>
-            </a:r>
-            <a:r>
-              <a:rPr lang="en-US" b="1"/>
-              <a:t>clk (V3)</a:t>
-            </a:r>
-            <a:r>
-              <a:rPr lang="en-US"/>
-              <a:t> and the pwm pulse output is provided by </a:t>
-            </a:r>
-            <a:r>
-              <a:rPr lang="en-US" b="1"/>
-              <a:t>carrier (V2)</a:t>
-            </a:r>
-            <a:r>
-              <a:rPr lang="en-US"/>
-              <a:t> and </a:t>
-            </a:r>
-            <a:r>
-              <a:rPr lang="en-US" b="1"/>
-              <a:t>comparator (B2)</a:t>
-            </a:r>
-            <a:r>
-              <a:rPr lang="en-US"/>
-              <a:t>.</a:t>
-            </a:r>
-            <a:endParaRPr lang="en-US"/>
-          </a:p>
-          <a:p>
-            <a:pPr marL="0" indent="0" algn="just">
-              <a:buNone/>
-            </a:pPr>
-            <a:endParaRPr lang="en-US"/>
-          </a:p>
-          <a:p>
-            <a:pPr marL="0" indent="0" algn="just">
-              <a:buNone/>
-            </a:pPr>
-            <a:r>
-              <a:rPr lang="en-US"/>
-              <a:t>Note 1: Model definition for SWH and SWL have parameter </a:t>
-            </a:r>
-            <a:r>
-              <a:rPr lang="en-US" b="1"/>
-              <a:t>ttol=1n </a:t>
-            </a:r>
-            <a:r>
-              <a:rPr lang="en-US"/>
-              <a:t>to force Qspice to iterate around the exact switching event with the accuracy down to 1ns. Additionally, Qspice also conduct some iteration around the peak and valley of the carrier triangle waveform and at the rise/fall time of clk source.</a:t>
-            </a:r>
-            <a:endParaRPr lang="en-US"/>
-          </a:p>
-          <a:p>
-            <a:pPr marL="0" indent="0" algn="just">
-              <a:buNone/>
-            </a:pPr>
-            <a:r>
-              <a:rPr lang="en-US"/>
-              <a:t>Note 2: Simulation exhibit some strange unrealistic oscillation, thus the solver changed to gear which have oscillation damping behavior</a:t>
-            </a:r>
-            <a:endParaRPr lang="en-US"/>
-          </a:p>
-          <a:p>
-            <a:pPr marL="0" indent="0" algn="just">
-              <a:buNone/>
-            </a:pPr>
-            <a:r>
-              <a:rPr lang="en-US"/>
-              <a:t>Note 3: This method is the simplest, however the multiple timestep iteration around the discontinuity event can increase the total simulation time, especially for complex simulation with higher number of switches. </a:t>
-            </a:r>
-            <a:endParaRPr lang="en-US"/>
-          </a:p>
-        </p:txBody>
-      </p:sp>
     </p:spTree>
+    <p:extLst>
+      <p:ext uri="{BB962C8B-B14F-4D97-AF65-F5344CB8AC3E}">
+        <p14:creationId xmlns:p14="http://schemas.microsoft.com/office/powerpoint/2010/main" val="1717670174"/>
+      </p:ext>
+    </p:extLst>
   </p:cSld>
   <p:clrMapOvr>
     <a:masterClrMapping/>
@@ -4487,9 +5104,8 @@
             </a:br>
             <a:r>
               <a:rPr lang="en-US"/>
-              <a:t>Level 2 : C-block for control and basic pwm generation</a:t>
-            </a:r>
-            <a:endParaRPr lang="en-US"/>
+              <a:t>Level 1 : C-block only for control algorithm</a:t>
+            </a:r>
           </a:p>
         </p:txBody>
       </p:sp>
@@ -4553,24 +5169,196 @@
           </a:fontRef>
         </p:style>
       </p:cxnSp>
+      <p:sp>
+        <p:nvSpPr>
+          <p:cNvPr id="3" name="Content Placeholder 2"/>
+          <p:cNvSpPr>
+            <a:spLocks noGrp="1"/>
+          </p:cNvSpPr>
+          <p:nvPr>
+            <p:ph idx="1"/>
+          </p:nvPr>
+        </p:nvSpPr>
+        <p:spPr>
+          <a:xfrm>
+            <a:off x="4213340" y="1087120"/>
+            <a:ext cx="7737996" cy="5563870"/>
+          </a:xfrm>
+        </p:spPr>
+        <p:txBody>
+          <a:bodyPr>
+            <a:normAutofit fontScale="97500"/>
+          </a:bodyPr>
+          <a:lstStyle/>
+          <a:p>
+            <a:pPr marL="0" indent="0" algn="just">
+              <a:buNone/>
+            </a:pPr>
+            <a:r>
+              <a:rPr lang="en-US" sz="1600" dirty="0"/>
+              <a:t>In this approach, C-block only performs the control algorithm that read analog feedback and send out duty cycle command. Sampling timing control for C-block is provided by the </a:t>
+            </a:r>
+            <a:r>
+              <a:rPr lang="en-US" sz="1600" b="1" dirty="0" err="1"/>
+              <a:t>clk</a:t>
+            </a:r>
+            <a:r>
+              <a:rPr lang="en-US" sz="1600" b="1" dirty="0"/>
+              <a:t> (V3)</a:t>
+            </a:r>
+            <a:r>
+              <a:rPr lang="en-US" sz="1600" dirty="0"/>
+              <a:t> and the </a:t>
+            </a:r>
+            <a:r>
+              <a:rPr lang="en-US" sz="1600" dirty="0" err="1"/>
+              <a:t>pwm</a:t>
+            </a:r>
+            <a:r>
+              <a:rPr lang="en-US" sz="1600" dirty="0"/>
+              <a:t> pulse output is provided by </a:t>
+            </a:r>
+            <a:r>
+              <a:rPr lang="en-US" sz="1600" b="1" dirty="0"/>
+              <a:t>carrier (V2)</a:t>
+            </a:r>
+            <a:r>
+              <a:rPr lang="en-US" sz="1600" dirty="0"/>
+              <a:t> and </a:t>
+            </a:r>
+            <a:r>
+              <a:rPr lang="en-US" sz="1600" b="1" dirty="0"/>
+              <a:t>comparator (B2)</a:t>
+            </a:r>
+            <a:r>
+              <a:rPr lang="en-US" sz="1600" dirty="0"/>
+              <a:t>.</a:t>
+            </a:r>
+          </a:p>
+          <a:p>
+            <a:pPr marL="0" indent="0" algn="just">
+              <a:buNone/>
+            </a:pPr>
+            <a:endParaRPr lang="en-US" sz="1600" dirty="0"/>
+          </a:p>
+          <a:p>
+            <a:pPr marL="0" indent="0" algn="just">
+              <a:buNone/>
+            </a:pPr>
+            <a:r>
+              <a:rPr lang="en-US" sz="1600" dirty="0"/>
+              <a:t>Note 1: Model definition for SWH and SWL have parameter </a:t>
+            </a:r>
+            <a:r>
+              <a:rPr lang="en-US" sz="1600" b="1" dirty="0" err="1"/>
+              <a:t>ttol</a:t>
+            </a:r>
+            <a:r>
+              <a:rPr lang="en-US" sz="1600" b="1" dirty="0"/>
+              <a:t>=1n </a:t>
+            </a:r>
+            <a:r>
+              <a:rPr lang="en-US" sz="1600" dirty="0"/>
+              <a:t>to force </a:t>
+            </a:r>
+            <a:r>
+              <a:rPr lang="en-US" sz="1600" dirty="0" err="1"/>
+              <a:t>Qspice</a:t>
+            </a:r>
+            <a:r>
+              <a:rPr lang="en-US" sz="1600" dirty="0"/>
+              <a:t> to iterate around the exact switching event with the accuracy down to 1ns. Additionally, </a:t>
+            </a:r>
+            <a:r>
+              <a:rPr lang="en-US" sz="1600" dirty="0" err="1"/>
+              <a:t>Qspice</a:t>
+            </a:r>
+            <a:r>
+              <a:rPr lang="en-US" sz="1600" dirty="0"/>
+              <a:t> also conduct some iteration around the peak and valley of the carrier triangle waveform and at the rise/fall time of </a:t>
+            </a:r>
+            <a:r>
+              <a:rPr lang="en-US" sz="1600" dirty="0" err="1"/>
+              <a:t>clk</a:t>
+            </a:r>
+            <a:r>
+              <a:rPr lang="en-US" sz="1600" dirty="0"/>
+              <a:t> source.</a:t>
+            </a:r>
+          </a:p>
+          <a:p>
+            <a:pPr marL="0" indent="0" algn="just">
+              <a:buNone/>
+            </a:pPr>
+            <a:r>
+              <a:rPr lang="en-US" sz="1600" dirty="0"/>
+              <a:t>Note 2: Simulation exhibit some strange unrealistic oscillation, thus the solver changed to gear which have oscillation damping behavior. The oscillation still occurs in the simulation.</a:t>
+            </a:r>
+          </a:p>
+          <a:p>
+            <a:pPr marL="0" indent="0" algn="just">
+              <a:buNone/>
+            </a:pPr>
+            <a:r>
+              <a:rPr lang="en-US" sz="1600" dirty="0"/>
+              <a:t>Note 3: This method is the simplest, however the multiple timestep iteration around the discontinuity event can increase the total simulation time, especially for complex simulation with higher number of switches. </a:t>
+            </a:r>
+          </a:p>
+        </p:txBody>
+      </p:sp>
       <p:pic>
         <p:nvPicPr>
-          <p:cNvPr id="9" name="Picture 8"/>
+          <p:cNvPr id="8" name="Picture 7">
+            <a:extLst>
+              <a:ext uri="{FF2B5EF4-FFF2-40B4-BE49-F238E27FC236}">
+                <a16:creationId xmlns:a16="http://schemas.microsoft.com/office/drawing/2014/main" id="{AB231B6B-CD1D-4E21-A30C-F6007D849B88}"/>
+              </a:ext>
+            </a:extLst>
+          </p:cNvPr>
+          <p:cNvPicPr>
+            <a:picLocks noChangeAspect="1"/>
+          </p:cNvPicPr>
+          <p:nvPr/>
+        </p:nvPicPr>
+        <p:blipFill rotWithShape="1">
+          <a:blip r:embed="rId2"/>
+          <a:srcRect l="293"/>
+          <a:stretch/>
+        </p:blipFill>
+        <p:spPr>
+          <a:xfrm>
+            <a:off x="240030" y="1153160"/>
+            <a:ext cx="3973309" cy="2390139"/>
+          </a:xfrm>
+          <a:prstGeom prst="rect">
+            <a:avLst/>
+          </a:prstGeom>
+        </p:spPr>
+      </p:pic>
+      <p:pic>
+        <p:nvPicPr>
+          <p:cNvPr id="10" name="Picture 9">
+            <a:extLst>
+              <a:ext uri="{FF2B5EF4-FFF2-40B4-BE49-F238E27FC236}">
+                <a16:creationId xmlns:a16="http://schemas.microsoft.com/office/drawing/2014/main" id="{14D8D7E0-A209-46FF-8798-DCCFAC79E25E}"/>
+              </a:ext>
+            </a:extLst>
+          </p:cNvPr>
           <p:cNvPicPr>
             <a:picLocks noChangeAspect="1"/>
           </p:cNvPicPr>
           <p:nvPr/>
         </p:nvPicPr>
         <p:blipFill>
-          <a:blip r:embed="rId1"/>
+          <a:blip r:embed="rId3"/>
           <a:stretch>
             <a:fillRect/>
           </a:stretch>
         </p:blipFill>
         <p:spPr>
           <a:xfrm>
-            <a:off x="240030" y="1153160"/>
-            <a:ext cx="5824855" cy="3276600"/>
+            <a:off x="240030" y="3608705"/>
+            <a:ext cx="3973309" cy="2648873"/>
           </a:xfrm>
           <a:prstGeom prst="rect">
             <a:avLst/>
@@ -4579,101 +5367,50 @@
       </p:pic>
       <p:sp>
         <p:nvSpPr>
-          <p:cNvPr id="3" name="Content Placeholder 2"/>
-          <p:cNvSpPr>
-            <a:spLocks noGrp="1"/>
-          </p:cNvSpPr>
-          <p:nvPr>
-            <p:ph idx="1"/>
-          </p:nvPr>
-        </p:nvSpPr>
-        <p:spPr>
-          <a:xfrm>
-            <a:off x="6096000" y="1087120"/>
-            <a:ext cx="5855335" cy="5563870"/>
-          </a:xfrm>
-        </p:spPr>
-        <p:txBody>
-          <a:bodyPr>
-            <a:normAutofit fontScale="90000" lnSpcReduction="20000"/>
-          </a:bodyPr>
-          <a:p>
-            <a:pPr marL="0" indent="0" algn="just">
-              <a:buNone/>
-            </a:pPr>
-            <a:r>
-              <a:rPr lang="en-US"/>
-              <a:t>For this implementation, the PWM generation, sampling timing, and control algorithm are all implemented in C-block. While for a more basic implementation the PWM generation and sampling timing can be designed using an actual triangle wave within C-block, in this implementation we skipped the triangle waveform and directly compute the future discontinuity event.</a:t>
-            </a:r>
-            <a:endParaRPr lang="en-US"/>
-          </a:p>
-          <a:p>
-            <a:pPr marL="0" indent="0" algn="just">
-              <a:buNone/>
-            </a:pPr>
-            <a:endParaRPr lang="en-US"/>
-          </a:p>
-          <a:p>
-            <a:pPr marL="0" indent="0" algn="just">
-              <a:buNone/>
-            </a:pPr>
-            <a:r>
-              <a:rPr lang="en-US"/>
-              <a:t>Benefit of this approach is reduced number of timestep iteration especially around the discontinuity.</a:t>
-            </a:r>
-            <a:endParaRPr lang="en-US"/>
-          </a:p>
-          <a:p>
-            <a:pPr marL="0" indent="0" algn="just">
-              <a:buNone/>
-            </a:pPr>
-            <a:endParaRPr lang="en-US"/>
-          </a:p>
-          <a:p>
-            <a:pPr marL="0" indent="0" algn="just">
-              <a:buNone/>
-            </a:pPr>
-            <a:r>
-              <a:rPr lang="en-US"/>
-              <a:t>Disadvantage is a small added complexity of computing the and implementing the future discontinuity event algorithm.</a:t>
-            </a:r>
-            <a:endParaRPr lang="en-US"/>
-          </a:p>
-        </p:txBody>
-      </p:sp>
-      <p:sp>
-        <p:nvSpPr>
-          <p:cNvPr id="6" name="Text Box 5"/>
-          <p:cNvSpPr txBox="1"/>
+          <p:cNvPr id="11" name="Flowchart: Alternate Process 10">
+            <a:extLst>
+              <a:ext uri="{FF2B5EF4-FFF2-40B4-BE49-F238E27FC236}">
+                <a16:creationId xmlns:a16="http://schemas.microsoft.com/office/drawing/2014/main" id="{B98C5AF4-DF7D-4D6E-BA7D-2A78603E3616}"/>
+              </a:ext>
+            </a:extLst>
+          </p:cNvPr>
+          <p:cNvSpPr/>
           <p:nvPr/>
         </p:nvSpPr>
         <p:spPr>
           <a:xfrm>
-            <a:off x="240030" y="5252085"/>
-            <a:ext cx="5260340" cy="645160"/>
-          </a:xfrm>
-          <a:prstGeom prst="rect">
+            <a:off x="240029" y="3277599"/>
+            <a:ext cx="1907932" cy="265700"/>
+          </a:xfrm>
+          <a:prstGeom prst="flowChartAlternateProcess">
             <a:avLst/>
           </a:prstGeom>
-          <a:noFill/>
-        </p:spPr>
-        <p:txBody>
-          <a:bodyPr wrap="square" rtlCol="0" anchor="t">
-            <a:spAutoFit/>
-          </a:bodyPr>
-          <a:p>
-            <a:pPr marL="0" indent="0" algn="just">
-              <a:buNone/>
-            </a:pPr>
-            <a:r>
-              <a:rPr lang="en-US">
-                <a:sym typeface="+mn-ea"/>
-              </a:rPr>
-              <a:t>*In this design, PWM generation method follow the method used by TI C2000 MCU family.</a:t>
-            </a:r>
-            <a:endParaRPr lang="en-US">
-              <a:sym typeface="+mn-ea"/>
-            </a:endParaRPr>
+        </p:spPr>
+        <p:style>
+          <a:lnRef idx="2">
+            <a:schemeClr val="accent1">
+              <a:shade val="50000"/>
+            </a:schemeClr>
+          </a:lnRef>
+          <a:fillRef idx="1">
+            <a:schemeClr val="accent1"/>
+          </a:fillRef>
+          <a:effectRef idx="0">
+            <a:schemeClr val="accent1"/>
+          </a:effectRef>
+          <a:fontRef idx="minor">
+            <a:schemeClr val="lt1"/>
+          </a:fontRef>
+        </p:style>
+        <p:txBody>
+          <a:bodyPr rtlCol="0" anchor="ctr"/>
+          <a:lstStyle/>
+          <a:p>
+            <a:pPr algn="ctr"/>
+            <a:r>
+              <a:rPr lang="en-US" dirty="0"/>
+              <a:t>Runtime = 2.338s</a:t>
+            </a:r>
           </a:p>
         </p:txBody>
       </p:sp>
@@ -4733,9 +5470,8 @@
             </a:br>
             <a:r>
               <a:rPr lang="en-US"/>
-              <a:t>Level 3 : C-block for control and PWM with deadtime</a:t>
-            </a:r>
-            <a:endParaRPr lang="en-US"/>
+              <a:t>Level 2 : C-block for control and basic pwm generation</a:t>
+            </a:r>
           </a:p>
         </p:txBody>
       </p:sp>
@@ -4799,30 +5535,320 @@
           </a:fontRef>
         </p:style>
       </p:cxnSp>
+      <p:sp>
+        <p:nvSpPr>
+          <p:cNvPr id="3" name="Content Placeholder 2"/>
+          <p:cNvSpPr>
+            <a:spLocks noGrp="1"/>
+          </p:cNvSpPr>
+          <p:nvPr>
+            <p:ph idx="1"/>
+          </p:nvPr>
+        </p:nvSpPr>
+        <p:spPr>
+          <a:xfrm>
+            <a:off x="4213340" y="1087120"/>
+            <a:ext cx="7737996" cy="5563870"/>
+          </a:xfrm>
+        </p:spPr>
+        <p:txBody>
+          <a:bodyPr>
+            <a:normAutofit fontScale="97500"/>
+          </a:bodyPr>
+          <a:lstStyle/>
+          <a:p>
+            <a:pPr marL="0" indent="0" algn="just">
+              <a:buNone/>
+            </a:pPr>
+            <a:r>
+              <a:rPr lang="en-US" sz="1600" dirty="0"/>
+              <a:t>For this implementation, the PWM generation, sampling timing, and control algorithm are all implemented in C-block. While for a more basic implementation the PWM generation and sampling timing can be designed using an actual triangle wave within C-block, in this implementation we skipped the triangle waveform and directly compute the future discontinuity event.</a:t>
+            </a:r>
+          </a:p>
+          <a:p>
+            <a:pPr marL="0" indent="0" algn="just">
+              <a:buNone/>
+            </a:pPr>
+            <a:r>
+              <a:rPr lang="en-US" sz="1600" dirty="0"/>
+              <a:t>Benefit of this approach is reduced number of timestep iteration especially around the discontinuity.</a:t>
+            </a:r>
+          </a:p>
+          <a:p>
+            <a:pPr marL="0" indent="0" algn="just">
+              <a:buNone/>
+            </a:pPr>
+            <a:r>
+              <a:rPr lang="en-US" sz="1600" dirty="0"/>
+              <a:t>Disadvantage is a small added complexity of computing the and implementing the future discontinuity event algorithm.</a:t>
+            </a:r>
+          </a:p>
+        </p:txBody>
+      </p:sp>
+      <p:sp>
+        <p:nvSpPr>
+          <p:cNvPr id="6" name="Text Box 5"/>
+          <p:cNvSpPr txBox="1"/>
+          <p:nvPr/>
+        </p:nvSpPr>
+        <p:spPr>
+          <a:xfrm>
+            <a:off x="240030" y="6257578"/>
+            <a:ext cx="5260340" cy="523220"/>
+          </a:xfrm>
+          <a:prstGeom prst="rect">
+            <a:avLst/>
+          </a:prstGeom>
+          <a:noFill/>
+        </p:spPr>
+        <p:txBody>
+          <a:bodyPr wrap="square" rtlCol="0" anchor="t">
+            <a:spAutoFit/>
+          </a:bodyPr>
+          <a:lstStyle/>
+          <a:p>
+            <a:pPr marL="0" indent="0" algn="just">
+              <a:buNone/>
+            </a:pPr>
+            <a:r>
+              <a:rPr lang="en-US" sz="1400" dirty="0">
+                <a:sym typeface="+mn-ea"/>
+              </a:rPr>
+              <a:t>*In this design, PWM generation method follow the method used by TI C2000 MCU family.</a:t>
+            </a:r>
+          </a:p>
+        </p:txBody>
+      </p:sp>
       <p:pic>
         <p:nvPicPr>
-          <p:cNvPr id="9" name="Picture 8"/>
+          <p:cNvPr id="13" name="Picture 12">
+            <a:extLst>
+              <a:ext uri="{FF2B5EF4-FFF2-40B4-BE49-F238E27FC236}">
+                <a16:creationId xmlns:a16="http://schemas.microsoft.com/office/drawing/2014/main" id="{0C0C1AA9-893A-4FFC-8087-F2542696A38B}"/>
+              </a:ext>
+            </a:extLst>
+          </p:cNvPr>
           <p:cNvPicPr>
             <a:picLocks noChangeAspect="1"/>
           </p:cNvPicPr>
           <p:nvPr/>
         </p:nvPicPr>
         <p:blipFill>
-          <a:blip r:embed="rId1"/>
+          <a:blip r:embed="rId2"/>
           <a:stretch>
             <a:fillRect/>
           </a:stretch>
         </p:blipFill>
         <p:spPr>
           <a:xfrm>
-            <a:off x="240030" y="1153160"/>
-            <a:ext cx="5843905" cy="3287395"/>
+            <a:off x="240029" y="3608704"/>
+            <a:ext cx="3973310" cy="2648873"/>
           </a:xfrm>
           <a:prstGeom prst="rect">
             <a:avLst/>
           </a:prstGeom>
         </p:spPr>
       </p:pic>
+      <p:pic>
+        <p:nvPicPr>
+          <p:cNvPr id="15" name="Picture 14">
+            <a:extLst>
+              <a:ext uri="{FF2B5EF4-FFF2-40B4-BE49-F238E27FC236}">
+                <a16:creationId xmlns:a16="http://schemas.microsoft.com/office/drawing/2014/main" id="{5E9BE9AC-4948-4E04-BBCC-96B716812141}"/>
+              </a:ext>
+            </a:extLst>
+          </p:cNvPr>
+          <p:cNvPicPr>
+            <a:picLocks noChangeAspect="1"/>
+          </p:cNvPicPr>
+          <p:nvPr/>
+        </p:nvPicPr>
+        <p:blipFill>
+          <a:blip r:embed="rId3"/>
+          <a:stretch>
+            <a:fillRect/>
+          </a:stretch>
+        </p:blipFill>
+        <p:spPr>
+          <a:xfrm>
+            <a:off x="240029" y="1153160"/>
+            <a:ext cx="3973310" cy="2330212"/>
+          </a:xfrm>
+          <a:prstGeom prst="rect">
+            <a:avLst/>
+          </a:prstGeom>
+        </p:spPr>
+      </p:pic>
+      <p:sp>
+        <p:nvSpPr>
+          <p:cNvPr id="16" name="Flowchart: Alternate Process 15">
+            <a:extLst>
+              <a:ext uri="{FF2B5EF4-FFF2-40B4-BE49-F238E27FC236}">
+                <a16:creationId xmlns:a16="http://schemas.microsoft.com/office/drawing/2014/main" id="{0B0F784E-CC4B-44E8-A5BD-CFAA87DBE223}"/>
+              </a:ext>
+            </a:extLst>
+          </p:cNvPr>
+          <p:cNvSpPr/>
+          <p:nvPr/>
+        </p:nvSpPr>
+        <p:spPr>
+          <a:xfrm>
+            <a:off x="240029" y="3277599"/>
+            <a:ext cx="1907932" cy="265700"/>
+          </a:xfrm>
+          <a:prstGeom prst="flowChartAlternateProcess">
+            <a:avLst/>
+          </a:prstGeom>
+        </p:spPr>
+        <p:style>
+          <a:lnRef idx="2">
+            <a:schemeClr val="accent1">
+              <a:shade val="50000"/>
+            </a:schemeClr>
+          </a:lnRef>
+          <a:fillRef idx="1">
+            <a:schemeClr val="accent1"/>
+          </a:fillRef>
+          <a:effectRef idx="0">
+            <a:schemeClr val="accent1"/>
+          </a:effectRef>
+          <a:fontRef idx="minor">
+            <a:schemeClr val="lt1"/>
+          </a:fontRef>
+        </p:style>
+        <p:txBody>
+          <a:bodyPr rtlCol="0" anchor="ctr"/>
+          <a:lstStyle/>
+          <a:p>
+            <a:pPr algn="ctr"/>
+            <a:r>
+              <a:rPr lang="en-US" dirty="0"/>
+              <a:t>Runtime = 0.985s</a:t>
+            </a:r>
+          </a:p>
+        </p:txBody>
+      </p:sp>
+    </p:spTree>
+  </p:cSld>
+  <p:clrMapOvr>
+    <a:masterClrMapping/>
+  </p:clrMapOvr>
+</p:sld>
+</file>
+
+<file path=ppt/slides/slide8.xml><?xml version="1.0" encoding="utf-8"?>
+<p:sld xmlns:a="http://schemas.openxmlformats.org/drawingml/2006/main" xmlns:r="http://schemas.openxmlformats.org/officeDocument/2006/relationships" xmlns:p="http://schemas.openxmlformats.org/presentationml/2006/main">
+  <p:cSld>
+    <p:spTree>
+      <p:nvGrpSpPr>
+        <p:cNvPr id="1" name=""/>
+        <p:cNvGrpSpPr/>
+        <p:nvPr/>
+      </p:nvGrpSpPr>
+      <p:grpSpPr>
+        <a:xfrm>
+          <a:off x="0" y="0"/>
+          <a:ext cx="0" cy="0"/>
+          <a:chOff x="0" y="0"/>
+          <a:chExt cx="0" cy="0"/>
+        </a:xfrm>
+      </p:grpSpPr>
+      <p:sp>
+        <p:nvSpPr>
+          <p:cNvPr id="2" name="Title 1"/>
+          <p:cNvSpPr>
+            <a:spLocks noGrp="1"/>
+          </p:cNvSpPr>
+          <p:nvPr>
+            <p:ph type="title"/>
+          </p:nvPr>
+        </p:nvSpPr>
+        <p:spPr>
+          <a:xfrm>
+            <a:off x="240030" y="365125"/>
+            <a:ext cx="11711305" cy="722630"/>
+          </a:xfrm>
+        </p:spPr>
+        <p:txBody>
+          <a:bodyPr>
+            <a:normAutofit fontScale="90000"/>
+          </a:bodyPr>
+          <a:lstStyle/>
+          <a:p>
+            <a:r>
+              <a:rPr lang="en-US" sz="2000"/>
+              <a:t>The three levels of complexity</a:t>
+            </a:r>
+            <a:br>
+              <a:rPr lang="en-US" sz="2000"/>
+            </a:br>
+            <a:r>
+              <a:rPr lang="en-US"/>
+              <a:t>Level 3 : C-block for control and PWM with deadtime</a:t>
+            </a:r>
+          </a:p>
+        </p:txBody>
+      </p:sp>
+      <p:cxnSp>
+        <p:nvCxnSpPr>
+          <p:cNvPr id="4" name="Straight Connector 3"/>
+          <p:cNvCxnSpPr/>
+          <p:nvPr/>
+        </p:nvCxnSpPr>
+        <p:spPr>
+          <a:xfrm>
+            <a:off x="240030" y="1021080"/>
+            <a:ext cx="11711305" cy="0"/>
+          </a:xfrm>
+          <a:prstGeom prst="line">
+            <a:avLst/>
+          </a:prstGeom>
+        </p:spPr>
+        <p:style>
+          <a:lnRef idx="2">
+            <a:schemeClr val="accent1"/>
+          </a:lnRef>
+          <a:fillRef idx="0">
+            <a:srgbClr val="FFFFFF"/>
+          </a:fillRef>
+          <a:effectRef idx="0">
+            <a:srgbClr val="FFFFFF"/>
+          </a:effectRef>
+          <a:fontRef idx="minor">
+            <a:schemeClr val="tx1"/>
+          </a:fontRef>
+        </p:style>
+      </p:cxnSp>
+      <p:cxnSp>
+        <p:nvCxnSpPr>
+          <p:cNvPr id="5" name="Straight Connector 4"/>
+          <p:cNvCxnSpPr/>
+          <p:nvPr/>
+        </p:nvCxnSpPr>
+        <p:spPr>
+          <a:xfrm>
+            <a:off x="240030" y="1087120"/>
+            <a:ext cx="11711305" cy="0"/>
+          </a:xfrm>
+          <a:prstGeom prst="line">
+            <a:avLst/>
+          </a:prstGeom>
+        </p:spPr>
+        <p:style>
+          <a:lnRef idx="2">
+            <a:schemeClr val="accent1"/>
+          </a:lnRef>
+          <a:fillRef idx="0">
+            <a:srgbClr val="FFFFFF"/>
+          </a:fillRef>
+          <a:effectRef idx="0">
+            <a:srgbClr val="FFFFFF"/>
+          </a:effectRef>
+          <a:fontRef idx="minor">
+            <a:schemeClr val="tx1"/>
+          </a:fontRef>
+        </p:style>
+      </p:cxnSp>
       <p:sp>
         <p:nvSpPr>
           <p:cNvPr id="6" name="Content Placeholder 5"/>
@@ -4835,27 +5861,650 @@
         </p:nvSpPr>
         <p:spPr>
           <a:xfrm>
-            <a:off x="6096000" y="1087120"/>
-            <a:ext cx="5855335" cy="5563870"/>
+            <a:off x="4213340" y="1087120"/>
+            <a:ext cx="7737996" cy="5563870"/>
           </a:xfrm>
         </p:spPr>
         <p:txBody>
           <a:bodyPr>
             <a:normAutofit/>
           </a:bodyPr>
+          <a:lstStyle/>
           <a:p>
             <a:pPr marL="0" indent="0" algn="just">
               <a:buNone/>
             </a:pPr>
             <a:r>
-              <a:rPr lang="en-US"/>
+              <a:rPr lang="en-US" sz="1600" dirty="0"/>
               <a:t>The level 3 implementation extends the details of the implementation on level 2 further by implementing dead-time algorithm. </a:t>
             </a:r>
-            <a:endParaRPr lang="en-US"/>
+          </a:p>
+        </p:txBody>
+      </p:sp>
+      <p:pic>
+        <p:nvPicPr>
+          <p:cNvPr id="13" name="Picture 12">
+            <a:extLst>
+              <a:ext uri="{FF2B5EF4-FFF2-40B4-BE49-F238E27FC236}">
+                <a16:creationId xmlns:a16="http://schemas.microsoft.com/office/drawing/2014/main" id="{07930DF8-E107-4B71-BC80-86D89EE7D0FE}"/>
+              </a:ext>
+            </a:extLst>
+          </p:cNvPr>
+          <p:cNvPicPr>
+            <a:picLocks noChangeAspect="1"/>
+          </p:cNvPicPr>
+          <p:nvPr/>
+        </p:nvPicPr>
+        <p:blipFill>
+          <a:blip r:embed="rId2"/>
+          <a:stretch>
+            <a:fillRect/>
+          </a:stretch>
+        </p:blipFill>
+        <p:spPr>
+          <a:xfrm>
+            <a:off x="240029" y="1153160"/>
+            <a:ext cx="3973310" cy="2339743"/>
+          </a:xfrm>
+          <a:prstGeom prst="rect">
+            <a:avLst/>
+          </a:prstGeom>
+        </p:spPr>
+      </p:pic>
+      <p:sp>
+        <p:nvSpPr>
+          <p:cNvPr id="12" name="Flowchart: Alternate Process 11">
+            <a:extLst>
+              <a:ext uri="{FF2B5EF4-FFF2-40B4-BE49-F238E27FC236}">
+                <a16:creationId xmlns:a16="http://schemas.microsoft.com/office/drawing/2014/main" id="{ADA6F4D5-6B80-4519-93E5-B4D1849BE8F7}"/>
+              </a:ext>
+            </a:extLst>
+          </p:cNvPr>
+          <p:cNvSpPr/>
+          <p:nvPr/>
+        </p:nvSpPr>
+        <p:spPr>
+          <a:xfrm>
+            <a:off x="240029" y="3277599"/>
+            <a:ext cx="1907932" cy="265700"/>
+          </a:xfrm>
+          <a:prstGeom prst="flowChartAlternateProcess">
+            <a:avLst/>
+          </a:prstGeom>
+        </p:spPr>
+        <p:style>
+          <a:lnRef idx="2">
+            <a:schemeClr val="accent1">
+              <a:shade val="50000"/>
+            </a:schemeClr>
+          </a:lnRef>
+          <a:fillRef idx="1">
+            <a:schemeClr val="accent1"/>
+          </a:fillRef>
+          <a:effectRef idx="0">
+            <a:schemeClr val="accent1"/>
+          </a:effectRef>
+          <a:fontRef idx="minor">
+            <a:schemeClr val="lt1"/>
+          </a:fontRef>
+        </p:style>
+        <p:txBody>
+          <a:bodyPr rtlCol="0" anchor="ctr"/>
+          <a:lstStyle/>
+          <a:p>
+            <a:pPr algn="ctr"/>
+            <a:r>
+              <a:rPr lang="en-US" dirty="0"/>
+              <a:t>Runtime = 1.598s</a:t>
+            </a:r>
+          </a:p>
+        </p:txBody>
+      </p:sp>
+      <p:pic>
+        <p:nvPicPr>
+          <p:cNvPr id="17" name="Picture 16">
+            <a:extLst>
+              <a:ext uri="{FF2B5EF4-FFF2-40B4-BE49-F238E27FC236}">
+                <a16:creationId xmlns:a16="http://schemas.microsoft.com/office/drawing/2014/main" id="{CE501C70-C587-4101-989E-7A5514EF5CCB}"/>
+              </a:ext>
+            </a:extLst>
+          </p:cNvPr>
+          <p:cNvPicPr>
+            <a:picLocks noChangeAspect="1"/>
+          </p:cNvPicPr>
+          <p:nvPr/>
+        </p:nvPicPr>
+        <p:blipFill>
+          <a:blip r:embed="rId3"/>
+          <a:stretch>
+            <a:fillRect/>
+          </a:stretch>
+        </p:blipFill>
+        <p:spPr>
+          <a:xfrm>
+            <a:off x="240029" y="3607398"/>
+            <a:ext cx="3973310" cy="2648873"/>
+          </a:xfrm>
+          <a:prstGeom prst="rect">
+            <a:avLst/>
+          </a:prstGeom>
+        </p:spPr>
+      </p:pic>
+      <p:sp>
+        <p:nvSpPr>
+          <p:cNvPr id="20" name="Text Box 5">
+            <a:extLst>
+              <a:ext uri="{FF2B5EF4-FFF2-40B4-BE49-F238E27FC236}">
+                <a16:creationId xmlns:a16="http://schemas.microsoft.com/office/drawing/2014/main" id="{3C2B4F49-EAB2-48FA-8A68-692177214D0A}"/>
+              </a:ext>
+            </a:extLst>
+          </p:cNvPr>
+          <p:cNvSpPr txBox="1"/>
+          <p:nvPr/>
+        </p:nvSpPr>
+        <p:spPr>
+          <a:xfrm>
+            <a:off x="240030" y="6257578"/>
+            <a:ext cx="5260340" cy="523220"/>
+          </a:xfrm>
+          <a:prstGeom prst="rect">
+            <a:avLst/>
+          </a:prstGeom>
+          <a:noFill/>
+        </p:spPr>
+        <p:txBody>
+          <a:bodyPr wrap="square" rtlCol="0" anchor="t">
+            <a:spAutoFit/>
+          </a:bodyPr>
+          <a:lstStyle/>
+          <a:p>
+            <a:pPr marL="0" indent="0" algn="just">
+              <a:buNone/>
+            </a:pPr>
+            <a:r>
+              <a:rPr lang="en-US" sz="1400" dirty="0">
+                <a:sym typeface="+mn-ea"/>
+              </a:rPr>
+              <a:t>*In this design, PWM generation method follow the method used by TI C2000 MCU family.</a:t>
+            </a:r>
           </a:p>
         </p:txBody>
       </p:sp>
     </p:spTree>
+  </p:cSld>
+  <p:clrMapOvr>
+    <a:masterClrMapping/>
+  </p:clrMapOvr>
+</p:sld>
+</file>
+
+<file path=ppt/slides/slide9.xml><?xml version="1.0" encoding="utf-8"?>
+<p:sld xmlns:a="http://schemas.openxmlformats.org/drawingml/2006/main" xmlns:r="http://schemas.openxmlformats.org/officeDocument/2006/relationships" xmlns:p="http://schemas.openxmlformats.org/presentationml/2006/main">
+  <p:cSld>
+    <p:spTree>
+      <p:nvGrpSpPr>
+        <p:cNvPr id="1" name=""/>
+        <p:cNvGrpSpPr/>
+        <p:nvPr/>
+      </p:nvGrpSpPr>
+      <p:grpSpPr>
+        <a:xfrm>
+          <a:off x="0" y="0"/>
+          <a:ext cx="0" cy="0"/>
+          <a:chOff x="0" y="0"/>
+          <a:chExt cx="0" cy="0"/>
+        </a:xfrm>
+      </p:grpSpPr>
+      <p:sp>
+        <p:nvSpPr>
+          <p:cNvPr id="2" name="Title 1"/>
+          <p:cNvSpPr>
+            <a:spLocks noGrp="1"/>
+          </p:cNvSpPr>
+          <p:nvPr>
+            <p:ph type="title"/>
+          </p:nvPr>
+        </p:nvSpPr>
+        <p:spPr>
+          <a:xfrm>
+            <a:off x="240030" y="365125"/>
+            <a:ext cx="11711305" cy="722630"/>
+          </a:xfrm>
+        </p:spPr>
+        <p:txBody>
+          <a:bodyPr>
+            <a:normAutofit fontScale="90000"/>
+          </a:bodyPr>
+          <a:lstStyle/>
+          <a:p>
+            <a:r>
+              <a:rPr lang="en-US" dirty="0"/>
+              <a:t>PWM signal comparison (discontinuity event capture)</a:t>
+            </a:r>
+          </a:p>
+        </p:txBody>
+      </p:sp>
+      <p:cxnSp>
+        <p:nvCxnSpPr>
+          <p:cNvPr id="4" name="Straight Connector 3"/>
+          <p:cNvCxnSpPr/>
+          <p:nvPr/>
+        </p:nvCxnSpPr>
+        <p:spPr>
+          <a:xfrm>
+            <a:off x="240030" y="1021080"/>
+            <a:ext cx="11711305" cy="0"/>
+          </a:xfrm>
+          <a:prstGeom prst="line">
+            <a:avLst/>
+          </a:prstGeom>
+        </p:spPr>
+        <p:style>
+          <a:lnRef idx="2">
+            <a:schemeClr val="accent1"/>
+          </a:lnRef>
+          <a:fillRef idx="0">
+            <a:srgbClr val="FFFFFF"/>
+          </a:fillRef>
+          <a:effectRef idx="0">
+            <a:srgbClr val="FFFFFF"/>
+          </a:effectRef>
+          <a:fontRef idx="minor">
+            <a:schemeClr val="tx1"/>
+          </a:fontRef>
+        </p:style>
+      </p:cxnSp>
+      <p:cxnSp>
+        <p:nvCxnSpPr>
+          <p:cNvPr id="5" name="Straight Connector 4"/>
+          <p:cNvCxnSpPr/>
+          <p:nvPr/>
+        </p:nvCxnSpPr>
+        <p:spPr>
+          <a:xfrm>
+            <a:off x="240030" y="1087120"/>
+            <a:ext cx="11711305" cy="0"/>
+          </a:xfrm>
+          <a:prstGeom prst="line">
+            <a:avLst/>
+          </a:prstGeom>
+        </p:spPr>
+        <p:style>
+          <a:lnRef idx="2">
+            <a:schemeClr val="accent1"/>
+          </a:lnRef>
+          <a:fillRef idx="0">
+            <a:srgbClr val="FFFFFF"/>
+          </a:fillRef>
+          <a:effectRef idx="0">
+            <a:srgbClr val="FFFFFF"/>
+          </a:effectRef>
+          <a:fontRef idx="minor">
+            <a:schemeClr val="tx1"/>
+          </a:fontRef>
+        </p:style>
+      </p:cxnSp>
+      <p:pic>
+        <p:nvPicPr>
+          <p:cNvPr id="6" name="Picture 5">
+            <a:extLst>
+              <a:ext uri="{FF2B5EF4-FFF2-40B4-BE49-F238E27FC236}">
+                <a16:creationId xmlns:a16="http://schemas.microsoft.com/office/drawing/2014/main" id="{AC8F09E1-3B8B-4DC0-8F9F-FA6C821E5ADB}"/>
+              </a:ext>
+            </a:extLst>
+          </p:cNvPr>
+          <p:cNvPicPr>
+            <a:picLocks noChangeAspect="1"/>
+          </p:cNvPicPr>
+          <p:nvPr/>
+        </p:nvPicPr>
+        <p:blipFill>
+          <a:blip r:embed="rId2"/>
+          <a:stretch>
+            <a:fillRect/>
+          </a:stretch>
+        </p:blipFill>
+        <p:spPr>
+          <a:xfrm>
+            <a:off x="415533" y="1153160"/>
+            <a:ext cx="2743200" cy="1828800"/>
+          </a:xfrm>
+          <a:prstGeom prst="rect">
+            <a:avLst/>
+          </a:prstGeom>
+        </p:spPr>
+      </p:pic>
+      <p:pic>
+        <p:nvPicPr>
+          <p:cNvPr id="7" name="Picture 6">
+            <a:extLst>
+              <a:ext uri="{FF2B5EF4-FFF2-40B4-BE49-F238E27FC236}">
+                <a16:creationId xmlns:a16="http://schemas.microsoft.com/office/drawing/2014/main" id="{0788CA5B-0178-4C10-ADE6-94E03F553E28}"/>
+              </a:ext>
+            </a:extLst>
+          </p:cNvPr>
+          <p:cNvPicPr>
+            <a:picLocks noChangeAspect="1"/>
+          </p:cNvPicPr>
+          <p:nvPr/>
+        </p:nvPicPr>
+        <p:blipFill>
+          <a:blip r:embed="rId3"/>
+          <a:stretch>
+            <a:fillRect/>
+          </a:stretch>
+        </p:blipFill>
+        <p:spPr>
+          <a:xfrm>
+            <a:off x="415533" y="3064218"/>
+            <a:ext cx="2743200" cy="1828800"/>
+          </a:xfrm>
+          <a:prstGeom prst="rect">
+            <a:avLst/>
+          </a:prstGeom>
+        </p:spPr>
+      </p:pic>
+      <p:pic>
+        <p:nvPicPr>
+          <p:cNvPr id="8" name="Picture 7">
+            <a:extLst>
+              <a:ext uri="{FF2B5EF4-FFF2-40B4-BE49-F238E27FC236}">
+                <a16:creationId xmlns:a16="http://schemas.microsoft.com/office/drawing/2014/main" id="{2B640858-E61F-4C18-A61C-6EDC3A6D8571}"/>
+              </a:ext>
+            </a:extLst>
+          </p:cNvPr>
+          <p:cNvPicPr>
+            <a:picLocks noChangeAspect="1"/>
+          </p:cNvPicPr>
+          <p:nvPr/>
+        </p:nvPicPr>
+        <p:blipFill>
+          <a:blip r:embed="rId4"/>
+          <a:stretch>
+            <a:fillRect/>
+          </a:stretch>
+        </p:blipFill>
+        <p:spPr>
+          <a:xfrm>
+            <a:off x="415533" y="4975276"/>
+            <a:ext cx="2743200" cy="1828800"/>
+          </a:xfrm>
+          <a:prstGeom prst="rect">
+            <a:avLst/>
+          </a:prstGeom>
+        </p:spPr>
+      </p:pic>
+      <p:pic>
+        <p:nvPicPr>
+          <p:cNvPr id="17" name="Picture 16">
+            <a:extLst>
+              <a:ext uri="{FF2B5EF4-FFF2-40B4-BE49-F238E27FC236}">
+                <a16:creationId xmlns:a16="http://schemas.microsoft.com/office/drawing/2014/main" id="{63BB7CB5-B5AA-478F-BBFB-24EFF37D7938}"/>
+              </a:ext>
+            </a:extLst>
+          </p:cNvPr>
+          <p:cNvPicPr>
+            <a:picLocks noChangeAspect="1"/>
+          </p:cNvPicPr>
+          <p:nvPr/>
+        </p:nvPicPr>
+        <p:blipFill>
+          <a:blip r:embed="rId5"/>
+          <a:stretch>
+            <a:fillRect/>
+          </a:stretch>
+        </p:blipFill>
+        <p:spPr>
+          <a:xfrm>
+            <a:off x="3352800" y="1153160"/>
+            <a:ext cx="2743200" cy="1828800"/>
+          </a:xfrm>
+          <a:prstGeom prst="rect">
+            <a:avLst/>
+          </a:prstGeom>
+        </p:spPr>
+      </p:pic>
+      <p:pic>
+        <p:nvPicPr>
+          <p:cNvPr id="19" name="Picture 18">
+            <a:extLst>
+              <a:ext uri="{FF2B5EF4-FFF2-40B4-BE49-F238E27FC236}">
+                <a16:creationId xmlns:a16="http://schemas.microsoft.com/office/drawing/2014/main" id="{270140DB-181E-454B-8602-B1CA0B284EB0}"/>
+              </a:ext>
+            </a:extLst>
+          </p:cNvPr>
+          <p:cNvPicPr>
+            <a:picLocks noChangeAspect="1"/>
+          </p:cNvPicPr>
+          <p:nvPr/>
+        </p:nvPicPr>
+        <p:blipFill>
+          <a:blip r:embed="rId6"/>
+          <a:stretch>
+            <a:fillRect/>
+          </a:stretch>
+        </p:blipFill>
+        <p:spPr>
+          <a:xfrm>
+            <a:off x="3352800" y="3064217"/>
+            <a:ext cx="2743201" cy="1828801"/>
+          </a:xfrm>
+          <a:prstGeom prst="rect">
+            <a:avLst/>
+          </a:prstGeom>
+        </p:spPr>
+      </p:pic>
+      <p:pic>
+        <p:nvPicPr>
+          <p:cNvPr id="23" name="Picture 22">
+            <a:extLst>
+              <a:ext uri="{FF2B5EF4-FFF2-40B4-BE49-F238E27FC236}">
+                <a16:creationId xmlns:a16="http://schemas.microsoft.com/office/drawing/2014/main" id="{9D0AFF66-0B6F-40D9-B7A2-63E019574E41}"/>
+              </a:ext>
+            </a:extLst>
+          </p:cNvPr>
+          <p:cNvPicPr>
+            <a:picLocks noChangeAspect="1"/>
+          </p:cNvPicPr>
+          <p:nvPr/>
+        </p:nvPicPr>
+        <p:blipFill>
+          <a:blip r:embed="rId7"/>
+          <a:stretch>
+            <a:fillRect/>
+          </a:stretch>
+        </p:blipFill>
+        <p:spPr>
+          <a:xfrm>
+            <a:off x="3352482" y="4975276"/>
+            <a:ext cx="2743200" cy="1828800"/>
+          </a:xfrm>
+          <a:prstGeom prst="rect">
+            <a:avLst/>
+          </a:prstGeom>
+        </p:spPr>
+      </p:pic>
+      <p:sp>
+        <p:nvSpPr>
+          <p:cNvPr id="24" name="TextBox 23">
+            <a:extLst>
+              <a:ext uri="{FF2B5EF4-FFF2-40B4-BE49-F238E27FC236}">
+                <a16:creationId xmlns:a16="http://schemas.microsoft.com/office/drawing/2014/main" id="{DF0DC7B9-ABA2-467A-89CE-FD7D98FA9120}"/>
+              </a:ext>
+            </a:extLst>
+          </p:cNvPr>
+          <p:cNvSpPr txBox="1"/>
+          <p:nvPr/>
+        </p:nvSpPr>
+        <p:spPr>
+          <a:xfrm>
+            <a:off x="6400800" y="1776045"/>
+            <a:ext cx="5550535" cy="3139321"/>
+          </a:xfrm>
+          <a:prstGeom prst="rect">
+            <a:avLst/>
+          </a:prstGeom>
+          <a:noFill/>
+        </p:spPr>
+        <p:txBody>
+          <a:bodyPr wrap="square" rtlCol="0">
+            <a:spAutoFit/>
+          </a:bodyPr>
+          <a:lstStyle/>
+          <a:p>
+            <a:r>
+              <a:rPr lang="en-US" dirty="0"/>
+              <a:t>The key for simulation speed improvement is by simply reducing the effort for </a:t>
+            </a:r>
+            <a:r>
+              <a:rPr lang="en-US" dirty="0" err="1"/>
+              <a:t>Qspice</a:t>
+            </a:r>
+            <a:r>
+              <a:rPr lang="en-US" dirty="0"/>
+              <a:t> timing solver to accurately capture the exact discontinuity event timestamp.</a:t>
+            </a:r>
+          </a:p>
+          <a:p>
+            <a:endParaRPr lang="en-US" dirty="0"/>
+          </a:p>
+          <a:p>
+            <a:r>
+              <a:rPr lang="en-US" dirty="0"/>
+              <a:t>Level 2 PWM clearly have significantly less simulation points than Level 1 PWM.</a:t>
+            </a:r>
+          </a:p>
+          <a:p>
+            <a:endParaRPr lang="en-US" dirty="0"/>
+          </a:p>
+          <a:p>
+            <a:r>
+              <a:rPr lang="en-US" dirty="0"/>
+              <a:t>While the Level 3 clearly has more time</a:t>
+            </a:r>
+            <a:r>
+              <a:rPr lang="zh-TW" altLang="en-US" dirty="0"/>
+              <a:t> </a:t>
+            </a:r>
+            <a:r>
+              <a:rPr lang="en-US" altLang="zh-TW" dirty="0"/>
+              <a:t>stamp than Level 2 due to the deadtime generation, however the generated timestamp is still less than Level 1 PWM. Thus the shorter time to complete the simulation.</a:t>
+            </a:r>
+            <a:endParaRPr lang="en-US" dirty="0"/>
+          </a:p>
+        </p:txBody>
+      </p:sp>
+      <p:sp>
+        <p:nvSpPr>
+          <p:cNvPr id="25" name="TextBox 24">
+            <a:extLst>
+              <a:ext uri="{FF2B5EF4-FFF2-40B4-BE49-F238E27FC236}">
+                <a16:creationId xmlns:a16="http://schemas.microsoft.com/office/drawing/2014/main" id="{3DA5FAE9-BB14-426B-96C2-A968A0FFE12B}"/>
+              </a:ext>
+            </a:extLst>
+          </p:cNvPr>
+          <p:cNvSpPr txBox="1"/>
+          <p:nvPr/>
+        </p:nvSpPr>
+        <p:spPr>
+          <a:xfrm rot="10800000">
+            <a:off x="43707" y="1301493"/>
+            <a:ext cx="461665" cy="1318438"/>
+          </a:xfrm>
+          <a:prstGeom prst="rect">
+            <a:avLst/>
+          </a:prstGeom>
+          <a:noFill/>
+        </p:spPr>
+        <p:txBody>
+          <a:bodyPr vert="eaVert" wrap="none" rtlCol="0">
+            <a:spAutoFit/>
+          </a:bodyPr>
+          <a:lstStyle/>
+          <a:p>
+            <a:r>
+              <a:rPr lang="en-US" dirty="0"/>
+              <a:t>Level 1 PWM</a:t>
+            </a:r>
+          </a:p>
+        </p:txBody>
+      </p:sp>
+      <p:sp>
+        <p:nvSpPr>
+          <p:cNvPr id="26" name="TextBox 25">
+            <a:extLst>
+              <a:ext uri="{FF2B5EF4-FFF2-40B4-BE49-F238E27FC236}">
+                <a16:creationId xmlns:a16="http://schemas.microsoft.com/office/drawing/2014/main" id="{77CCDA18-D7B7-48F5-944F-CF9FD0A23F85}"/>
+              </a:ext>
+            </a:extLst>
+          </p:cNvPr>
+          <p:cNvSpPr txBox="1"/>
+          <p:nvPr/>
+        </p:nvSpPr>
+        <p:spPr>
+          <a:xfrm rot="10800000">
+            <a:off x="43706" y="3319398"/>
+            <a:ext cx="461665" cy="1318438"/>
+          </a:xfrm>
+          <a:prstGeom prst="rect">
+            <a:avLst/>
+          </a:prstGeom>
+          <a:noFill/>
+        </p:spPr>
+        <p:txBody>
+          <a:bodyPr vert="eaVert" wrap="none" rtlCol="0">
+            <a:spAutoFit/>
+          </a:bodyPr>
+          <a:lstStyle/>
+          <a:p>
+            <a:r>
+              <a:rPr lang="en-US" dirty="0"/>
+              <a:t>Level 2 PWM</a:t>
+            </a:r>
+          </a:p>
+        </p:txBody>
+      </p:sp>
+      <p:sp>
+        <p:nvSpPr>
+          <p:cNvPr id="27" name="TextBox 26">
+            <a:extLst>
+              <a:ext uri="{FF2B5EF4-FFF2-40B4-BE49-F238E27FC236}">
+                <a16:creationId xmlns:a16="http://schemas.microsoft.com/office/drawing/2014/main" id="{CEE6CAEE-DB10-4A5A-85A5-F823BA03E484}"/>
+              </a:ext>
+            </a:extLst>
+          </p:cNvPr>
+          <p:cNvSpPr txBox="1"/>
+          <p:nvPr/>
+        </p:nvSpPr>
+        <p:spPr>
+          <a:xfrm rot="10800000">
+            <a:off x="43706" y="5236526"/>
+            <a:ext cx="461665" cy="1318438"/>
+          </a:xfrm>
+          <a:prstGeom prst="rect">
+            <a:avLst/>
+          </a:prstGeom>
+          <a:noFill/>
+        </p:spPr>
+        <p:txBody>
+          <a:bodyPr vert="eaVert" wrap="none" rtlCol="0">
+            <a:spAutoFit/>
+          </a:bodyPr>
+          <a:lstStyle/>
+          <a:p>
+            <a:r>
+              <a:rPr lang="en-US" dirty="0"/>
+              <a:t>Level 3 PWM</a:t>
+            </a:r>
+          </a:p>
+        </p:txBody>
+      </p:sp>
+    </p:spTree>
+    <p:extLst>
+      <p:ext uri="{BB962C8B-B14F-4D97-AF65-F5344CB8AC3E}">
+        <p14:creationId xmlns:p14="http://schemas.microsoft.com/office/powerpoint/2010/main" val="4088111551"/>
+      </p:ext>
+    </p:extLst>
   </p:cSld>
   <p:clrMapOvr>
     <a:masterClrMapping/>
@@ -5114,6 +6763,8 @@
       </a:bgFillStyleLst>
     </a:fmtScheme>
   </a:themeElements>
+  <a:objectDefaults/>
+  <a:extraClrSchemeLst/>
   <a:extLst>
     <a:ext uri="{05A4C25C-085E-4340-85A3-A5531E510DB2}">
       <thm15:themeFamily xmlns:thm15="http://schemas.microsoft.com/office/thememl/2012/main" name="Office Theme" id="{62F939B6-93AF-4DB8-9C6B-D6C7DFDC589F}" vid="{4A3C46E8-61CC-4603-A589-7422A47A8E4A}"/>

--- a/PWM_example_SRbuck/Three Complexity Levels of PWM Implementation for Digital Controller Simulation.pptx
+++ b/PWM_example_SRbuck/Three Complexity Levels of PWM Implementation for Digital Controller Simulation.pptx
@@ -17,7 +17,7 @@
     <p:sldId id="272" r:id="rId11"/>
   </p:sldIdLst>
   <p:sldSz cx="12192000" cy="6858000"/>
-  <p:notesSz cx="6858000" cy="9144000"/>
+  <p:notesSz cx="7102475" cy="10234613"/>
   <p:defaultTextStyle>
     <a:defPPr>
       <a:defRPr lang="en-US"/>

--- a/PWM_example_SRbuck/Three Complexity Levels of PWM Implementation for Digital Controller Simulation.pptx
+++ b/PWM_example_SRbuck/Three Complexity Levels of PWM Implementation for Digital Controller Simulation.pptx
@@ -689,6 +689,61 @@
       </pc:sldChg>
     </pc:docChg>
   </pc:docChgLst>
+  <pc:docChgLst>
+    <pc:chgData name="arief noor rahman" userId="142e4bc68e6a373e" providerId="LiveId" clId="{1AA6BC36-526C-4E78-82E5-2274CF3F39F7}"/>
+    <pc:docChg chg="custSel modSld">
+      <pc:chgData name="arief noor rahman" userId="142e4bc68e6a373e" providerId="LiveId" clId="{1AA6BC36-526C-4E78-82E5-2274CF3F39F7}" dt="2024-02-19T09:45:10.900" v="881" actId="20577"/>
+      <pc:docMkLst>
+        <pc:docMk/>
+      </pc:docMkLst>
+      <pc:sldChg chg="modSp mod">
+        <pc:chgData name="arief noor rahman" userId="142e4bc68e6a373e" providerId="LiveId" clId="{1AA6BC36-526C-4E78-82E5-2274CF3F39F7}" dt="2024-02-19T09:45:10.900" v="881" actId="20577"/>
+        <pc:sldMkLst>
+          <pc:docMk/>
+          <pc:sldMk cId="0" sldId="259"/>
+        </pc:sldMkLst>
+        <pc:spChg chg="mod">
+          <ac:chgData name="arief noor rahman" userId="142e4bc68e6a373e" providerId="LiveId" clId="{1AA6BC36-526C-4E78-82E5-2274CF3F39F7}" dt="2024-02-19T09:40:18.816" v="494" actId="20577"/>
+          <ac:spMkLst>
+            <pc:docMk/>
+            <pc:sldMk cId="0" sldId="259"/>
+            <ac:spMk id="2" creationId="{00000000-0000-0000-0000-000000000000}"/>
+          </ac:spMkLst>
+        </pc:spChg>
+        <pc:spChg chg="mod">
+          <ac:chgData name="arief noor rahman" userId="142e4bc68e6a373e" providerId="LiveId" clId="{1AA6BC36-526C-4E78-82E5-2274CF3F39F7}" dt="2024-02-19T09:45:10.900" v="881" actId="20577"/>
+          <ac:spMkLst>
+            <pc:docMk/>
+            <pc:sldMk cId="0" sldId="259"/>
+            <ac:spMk id="3" creationId="{00000000-0000-0000-0000-000000000000}"/>
+          </ac:spMkLst>
+        </pc:spChg>
+      </pc:sldChg>
+      <pc:sldChg chg="modSp mod">
+        <pc:chgData name="arief noor rahman" userId="142e4bc68e6a373e" providerId="LiveId" clId="{1AA6BC36-526C-4E78-82E5-2274CF3F39F7}" dt="2024-02-19T09:37:07.988" v="485" actId="20577"/>
+        <pc:sldMkLst>
+          <pc:docMk/>
+          <pc:sldMk cId="0" sldId="262"/>
+        </pc:sldMkLst>
+        <pc:spChg chg="mod">
+          <ac:chgData name="arief noor rahman" userId="142e4bc68e6a373e" providerId="LiveId" clId="{1AA6BC36-526C-4E78-82E5-2274CF3F39F7}" dt="2024-02-19T09:35:10.346" v="1" actId="20577"/>
+          <ac:spMkLst>
+            <pc:docMk/>
+            <pc:sldMk cId="0" sldId="262"/>
+            <ac:spMk id="2" creationId="{00000000-0000-0000-0000-000000000000}"/>
+          </ac:spMkLst>
+        </pc:spChg>
+        <pc:spChg chg="mod">
+          <ac:chgData name="arief noor rahman" userId="142e4bc68e6a373e" providerId="LiveId" clId="{1AA6BC36-526C-4E78-82E5-2274CF3F39F7}" dt="2024-02-19T09:37:07.988" v="485" actId="20577"/>
+          <ac:spMkLst>
+            <pc:docMk/>
+            <pc:sldMk cId="0" sldId="262"/>
+            <ac:spMk id="6" creationId="{00000000-0000-0000-0000-000000000000}"/>
+          </ac:spMkLst>
+        </pc:spChg>
+      </pc:sldChg>
+    </pc:docChg>
+  </pc:docChgLst>
 </pc:chgInfo>
 </file>
 
@@ -821,7 +876,7 @@
           <a:p>
             <a:fld id="{63A1C593-65D0-4073-BCC9-577B9352EA97}" type="datetimeFigureOut">
               <a:rPr lang="en-US" smtClean="0"/>
-              <a:t>1/3/2024</a:t>
+              <a:t>2/19/2024</a:t>
             </a:fld>
             <a:endParaRPr lang="en-US"/>
           </a:p>
@@ -984,7 +1039,7 @@
           <a:p>
             <a:fld id="{63A1C593-65D0-4073-BCC9-577B9352EA97}" type="datetimeFigureOut">
               <a:rPr lang="en-US" smtClean="0"/>
-              <a:t>1/3/2024</a:t>
+              <a:t>2/19/2024</a:t>
             </a:fld>
             <a:endParaRPr lang="en-US"/>
           </a:p>
@@ -1157,7 +1212,7 @@
           <a:p>
             <a:fld id="{63A1C593-65D0-4073-BCC9-577B9352EA97}" type="datetimeFigureOut">
               <a:rPr lang="en-US" smtClean="0"/>
-              <a:t>1/3/2024</a:t>
+              <a:t>2/19/2024</a:t>
             </a:fld>
             <a:endParaRPr lang="en-US"/>
           </a:p>
@@ -1320,7 +1375,7 @@
           <a:p>
             <a:fld id="{63A1C593-65D0-4073-BCC9-577B9352EA97}" type="datetimeFigureOut">
               <a:rPr lang="en-US" smtClean="0"/>
-              <a:t>1/3/2024</a:t>
+              <a:t>2/19/2024</a:t>
             </a:fld>
             <a:endParaRPr lang="en-US"/>
           </a:p>
@@ -1560,7 +1615,7 @@
           <a:p>
             <a:fld id="{63A1C593-65D0-4073-BCC9-577B9352EA97}" type="datetimeFigureOut">
               <a:rPr lang="en-US" smtClean="0"/>
-              <a:t>1/3/2024</a:t>
+              <a:t>2/19/2024</a:t>
             </a:fld>
             <a:endParaRPr lang="en-US"/>
           </a:p>
@@ -1784,7 +1839,7 @@
           <a:p>
             <a:fld id="{63A1C593-65D0-4073-BCC9-577B9352EA97}" type="datetimeFigureOut">
               <a:rPr lang="en-US" smtClean="0"/>
-              <a:t>1/3/2024</a:t>
+              <a:t>2/19/2024</a:t>
             </a:fld>
             <a:endParaRPr lang="en-US"/>
           </a:p>
@@ -2143,7 +2198,7 @@
           <a:p>
             <a:fld id="{63A1C593-65D0-4073-BCC9-577B9352EA97}" type="datetimeFigureOut">
               <a:rPr lang="en-US" smtClean="0"/>
-              <a:t>1/3/2024</a:t>
+              <a:t>2/19/2024</a:t>
             </a:fld>
             <a:endParaRPr lang="en-US"/>
           </a:p>
@@ -2255,7 +2310,7 @@
           <a:p>
             <a:fld id="{63A1C593-65D0-4073-BCC9-577B9352EA97}" type="datetimeFigureOut">
               <a:rPr lang="en-US" smtClean="0"/>
-              <a:t>1/3/2024</a:t>
+              <a:t>2/19/2024</a:t>
             </a:fld>
             <a:endParaRPr lang="en-US"/>
           </a:p>
@@ -2345,7 +2400,7 @@
           <a:p>
             <a:fld id="{63A1C593-65D0-4073-BCC9-577B9352EA97}" type="datetimeFigureOut">
               <a:rPr lang="en-US" smtClean="0"/>
-              <a:t>1/3/2024</a:t>
+              <a:t>2/19/2024</a:t>
             </a:fld>
             <a:endParaRPr lang="en-US"/>
           </a:p>
@@ -2615,7 +2670,7 @@
           <a:p>
             <a:fld id="{63A1C593-65D0-4073-BCC9-577B9352EA97}" type="datetimeFigureOut">
               <a:rPr lang="en-US" smtClean="0"/>
-              <a:t>1/3/2024</a:t>
+              <a:t>2/19/2024</a:t>
             </a:fld>
             <a:endParaRPr lang="en-US"/>
           </a:p>
@@ -2862,7 +2917,7 @@
           <a:p>
             <a:fld id="{63A1C593-65D0-4073-BCC9-577B9352EA97}" type="datetimeFigureOut">
               <a:rPr lang="en-US" smtClean="0"/>
-              <a:t>1/3/2024</a:t>
+              <a:t>2/19/2024</a:t>
             </a:fld>
             <a:endParaRPr lang="en-US"/>
           </a:p>
@@ -3068,7 +3123,7 @@
           <a:p>
             <a:fld id="{63A1C593-65D0-4073-BCC9-577B9352EA97}" type="datetimeFigureOut">
               <a:rPr lang="en-US" smtClean="0"/>
-              <a:t>1/3/2024</a:t>
+              <a:t>2/19/2024</a:t>
             </a:fld>
             <a:endParaRPr lang="en-US"/>
           </a:p>
@@ -5096,15 +5151,15 @@
           <a:lstStyle/>
           <a:p>
             <a:r>
-              <a:rPr lang="en-US" sz="2000"/>
+              <a:rPr lang="en-US" sz="2000" dirty="0"/>
               <a:t>The three levels of complexity</a:t>
             </a:r>
             <a:br>
-              <a:rPr lang="en-US" sz="2000"/>
+              <a:rPr lang="en-US" sz="2000" dirty="0"/>
             </a:br>
             <a:r>
-              <a:rPr lang="en-US"/>
-              <a:t>Level 1 : C-block only for control algorithm</a:t>
+              <a:rPr lang="en-US" dirty="0"/>
+              <a:t>Level 1(A/B/C/D) : C-block only for control algorithm</a:t>
             </a:r>
           </a:p>
         </p:txBody>
@@ -5234,6 +5289,69 @@
               <a:rPr lang="en-US" sz="1600" dirty="0"/>
               <a:t>.</a:t>
             </a:r>
+          </a:p>
+          <a:p>
+            <a:pPr marL="0" indent="0" algn="just">
+              <a:buNone/>
+            </a:pPr>
+            <a:endParaRPr lang="en-US" sz="1600" dirty="0"/>
+          </a:p>
+          <a:p>
+            <a:pPr marL="0" indent="0" algn="just">
+              <a:buNone/>
+            </a:pPr>
+            <a:r>
+              <a:rPr lang="en-US" sz="1600" dirty="0"/>
+              <a:t>Level 1A : use behavioral source to perform </a:t>
+            </a:r>
+            <a:r>
+              <a:rPr lang="en-US" sz="1600" dirty="0" err="1"/>
+              <a:t>pwm</a:t>
+            </a:r>
+            <a:r>
+              <a:rPr lang="en-US" sz="1600" dirty="0"/>
+              <a:t> comparator</a:t>
+            </a:r>
+          </a:p>
+          <a:p>
+            <a:pPr marL="0" indent="0" algn="just">
+              <a:buNone/>
+            </a:pPr>
+            <a:r>
+              <a:rPr lang="en-US" sz="1600" dirty="0"/>
+              <a:t>Level 1B : use Schmitt trigger PWM comparator</a:t>
+            </a:r>
+          </a:p>
+          <a:p>
+            <a:pPr marL="0" indent="0" algn="just">
+              <a:buNone/>
+            </a:pPr>
+            <a:r>
+              <a:rPr lang="en-US" sz="1600" dirty="0"/>
+              <a:t>Level 1C : use 2x Schmitt trigger (1 w/ zero delay and 1 w/ </a:t>
+            </a:r>
+            <a:r>
+              <a:rPr lang="en-US" sz="1600" dirty="0" err="1"/>
+              <a:t>dtime</a:t>
+            </a:r>
+            <a:r>
+              <a:rPr lang="en-US" sz="1600" dirty="0"/>
+              <a:t>) delay to generate deadtime</a:t>
+            </a:r>
+          </a:p>
+          <a:p>
+            <a:pPr marL="0" indent="0" algn="just">
+              <a:buNone/>
+            </a:pPr>
+            <a:r>
+              <a:rPr lang="en-US" sz="1600" dirty="0"/>
+              <a:t>Level 1D : use 2x Schmitt trigger with 2 different carrier to </a:t>
+            </a:r>
+            <a:r>
+              <a:rPr lang="en-US" sz="1600"/>
+              <a:t>generate deadtime</a:t>
+            </a:r>
+            <a:endParaRPr lang="en-US" sz="1600" dirty="0"/>
           </a:p>
           <a:p>
             <a:pPr marL="0" indent="0" algn="just">
@@ -5776,15 +5894,23 @@
           <a:lstStyle/>
           <a:p>
             <a:r>
-              <a:rPr lang="en-US" sz="2000"/>
+              <a:rPr lang="en-US" sz="2000" dirty="0"/>
               <a:t>The three levels of complexity</a:t>
             </a:r>
             <a:br>
-              <a:rPr lang="en-US" sz="2000"/>
+              <a:rPr lang="en-US" sz="2000" dirty="0"/>
             </a:br>
             <a:r>
-              <a:rPr lang="en-US"/>
-              <a:t>Level 3 : C-block for control and PWM with deadtime</a:t>
+              <a:rPr lang="en-US" dirty="0"/>
+              <a:t>Level 3</a:t>
+            </a:r>
+            <a:r>
+              <a:rPr lang="en-US" altLang="zh-TW" dirty="0"/>
+              <a:t>&amp;4</a:t>
+            </a:r>
+            <a:r>
+              <a:rPr lang="en-US" dirty="0"/>
+              <a:t> : C-block for control and PWM with deadtime</a:t>
             </a:r>
           </a:p>
         </p:txBody>
@@ -5878,6 +6004,38 @@
               <a:rPr lang="en-US" sz="1600" dirty="0"/>
               <a:t>The level 3 implementation extends the details of the implementation on level 2 further by implementing dead-time algorithm. </a:t>
             </a:r>
+          </a:p>
+          <a:p>
+            <a:pPr marL="0" indent="0" algn="just">
+              <a:buNone/>
+            </a:pPr>
+            <a:endParaRPr lang="en-US" sz="1600" dirty="0"/>
+          </a:p>
+          <a:p>
+            <a:pPr marL="0" indent="0" algn="just">
+              <a:buNone/>
+            </a:pPr>
+            <a:r>
+              <a:rPr lang="en-US" sz="1600" dirty="0"/>
+              <a:t>The level </a:t>
+            </a:r>
+            <a:r>
+              <a:rPr lang="en-US" altLang="zh-TW" sz="1600" dirty="0"/>
+              <a:t>4</a:t>
+            </a:r>
+            <a:r>
+              <a:rPr lang="en-US" sz="1600" dirty="0"/>
+              <a:t> is</a:t>
+            </a:r>
+            <a:r>
+              <a:rPr lang="zh-TW" altLang="en-US" sz="1600" dirty="0"/>
+              <a:t> </a:t>
+            </a:r>
+            <a:r>
+              <a:rPr lang="en-US" altLang="zh-TW" sz="1600" dirty="0"/>
+              <a:t>exactly the same algorithm compared to level 3, the difference is level 4 uses a more proper modular programming technique where different program functions are separated into separate function and files.</a:t>
+            </a:r>
+            <a:endParaRPr lang="en-US" sz="1600" dirty="0"/>
           </a:p>
         </p:txBody>
       </p:sp>
